--- a/lessons/13_dynamic_latent_variable_models/figures/ffg-state-space.pptx
+++ b/lessons/13_dynamic_latent_variable_models/figures/ffg-state-space.pptx
@@ -2971,7 +2971,7 @@
       </p:grpSpPr>
       <p:grpSp>
         <p:nvGrpSpPr>
-          <p:cNvPr id="3" name="Group 2"/>
+          <p:cNvPr id="11" name="Group 10"/>
           <p:cNvGrpSpPr/>
           <p:nvPr/>
         </p:nvGrpSpPr>
@@ -2985,35 +2985,2214 @@
         </p:grpSpPr>
         <p:grpSp>
           <p:nvGrpSpPr>
-            <p:cNvPr id="2" name="Group 1"/>
+            <p:cNvPr id="3" name="Group 2"/>
             <p:cNvGrpSpPr/>
             <p:nvPr/>
           </p:nvGrpSpPr>
           <p:grpSpPr>
             <a:xfrm>
-              <a:off x="1606759" y="1063454"/>
-              <a:ext cx="2443573" cy="2333771"/>
-              <a:chOff x="1606759" y="1063454"/>
-              <a:chExt cx="2443573" cy="2333771"/>
+              <a:off x="1606759" y="997070"/>
+              <a:ext cx="7422180" cy="2400155"/>
+              <a:chOff x="1606759" y="997070"/>
+              <a:chExt cx="7422180" cy="2400155"/>
             </a:xfrm>
           </p:grpSpPr>
-          <p:sp>
-            <p:nvSpPr>
-              <p:cNvPr id="4" name="Rectangle 3"/>
-              <p:cNvSpPr/>
+          <p:grpSp>
+            <p:nvGrpSpPr>
+              <p:cNvPr id="2" name="Group 1"/>
+              <p:cNvGrpSpPr/>
               <p:nvPr/>
-            </p:nvSpPr>
+            </p:nvGrpSpPr>
+            <p:grpSpPr>
+              <a:xfrm>
+                <a:off x="1606759" y="1063454"/>
+                <a:ext cx="2443573" cy="2333771"/>
+                <a:chOff x="1606759" y="1063454"/>
+                <a:chExt cx="2443573" cy="2333771"/>
+              </a:xfrm>
+            </p:grpSpPr>
+            <p:sp>
+              <p:nvSpPr>
+                <p:cNvPr id="4" name="Rectangle 3"/>
+                <p:cNvSpPr/>
+                <p:nvPr/>
+              </p:nvSpPr>
+              <p:spPr>
+                <a:xfrm>
+                  <a:off x="1991544" y="1484784"/>
+                  <a:ext cx="432048" cy="432048"/>
+                </a:xfrm>
+                <a:prstGeom prst="rect">
+                  <a:avLst/>
+                </a:prstGeom>
+                <a:solidFill>
+                  <a:schemeClr val="bg1"/>
+                </a:solidFill>
+                <a:ln w="28575">
+                  <a:solidFill>
+                    <a:schemeClr val="tx1"/>
+                  </a:solidFill>
+                </a:ln>
+              </p:spPr>
+              <p:style>
+                <a:lnRef idx="2">
+                  <a:schemeClr val="accent1">
+                    <a:shade val="50000"/>
+                  </a:schemeClr>
+                </a:lnRef>
+                <a:fillRef idx="1">
+                  <a:schemeClr val="accent1"/>
+                </a:fillRef>
+                <a:effectRef idx="0">
+                  <a:schemeClr val="accent1"/>
+                </a:effectRef>
+                <a:fontRef idx="minor">
+                  <a:schemeClr val="lt1"/>
+                </a:fontRef>
+              </p:style>
+              <p:txBody>
+                <a:bodyPr rtlCol="0" anchor="ctr"/>
+                <a:lstStyle/>
+                <a:p>
+                  <a:pPr algn="ctr"/>
+                  <a:endParaRPr lang="en-US" dirty="0"/>
+                </a:p>
+              </p:txBody>
+            </p:sp>
+            <mc:AlternateContent xmlns:mc="http://schemas.openxmlformats.org/markup-compatibility/2006" xmlns:a14="http://schemas.microsoft.com/office/drawing/2010/main">
+              <mc:Choice Requires="a14">
+                <p:sp>
+                  <p:nvSpPr>
+                    <p:cNvPr id="5" name="Rectangle 4"/>
+                    <p:cNvSpPr/>
+                    <p:nvPr/>
+                  </p:nvSpPr>
+                  <p:spPr>
+                    <a:xfrm>
+                      <a:off x="1606759" y="1063454"/>
+                      <a:ext cx="769570" cy="369332"/>
+                    </a:xfrm>
+                    <a:prstGeom prst="rect">
+                      <a:avLst/>
+                    </a:prstGeom>
+                  </p:spPr>
+                  <p:txBody>
+                    <a:bodyPr wrap="none">
+                      <a:spAutoFit/>
+                    </a:bodyPr>
+                    <a:lstStyle/>
+                    <a:p>
+                      <a:pPr/>
+                      <a14:m>
+                        <m:oMathPara xmlns:m="http://schemas.openxmlformats.org/officeDocument/2006/math">
+                          <m:oMathParaPr>
+                            <m:jc m:val="centerGroup"/>
+                          </m:oMathParaPr>
+                          <m:oMath xmlns:m="http://schemas.openxmlformats.org/officeDocument/2006/math">
+                            <m:r>
+                              <a:rPr lang="en-US" b="0" i="1" smtClean="0">
+                                <a:latin typeface="Cambria Math" charset="0"/>
+                              </a:rPr>
+                              <m:t>𝑝</m:t>
+                            </m:r>
+                            <m:r>
+                              <a:rPr lang="en-US" b="0" i="1" smtClean="0">
+                                <a:latin typeface="Cambria Math" charset="0"/>
+                              </a:rPr>
+                              <m:t>(</m:t>
+                            </m:r>
+                            <m:sSub>
+                              <m:sSubPr>
+                                <m:ctrlPr>
+                                  <a:rPr lang="en-US" b="0" i="1" smtClean="0">
+                                    <a:latin typeface="Cambria Math" charset="0"/>
+                                  </a:rPr>
+                                </m:ctrlPr>
+                              </m:sSubPr>
+                              <m:e>
+                                <m:r>
+                                  <a:rPr lang="en-US" b="0" i="1" smtClean="0">
+                                    <a:latin typeface="Cambria Math" charset="0"/>
+                                  </a:rPr>
+                                  <m:t>𝑧</m:t>
+                                </m:r>
+                              </m:e>
+                              <m:sub>
+                                <m:r>
+                                  <a:rPr lang="en-US" b="0" i="1" smtClean="0">
+                                    <a:latin typeface="Cambria Math" charset="0"/>
+                                  </a:rPr>
+                                  <m:t>1</m:t>
+                                </m:r>
+                              </m:sub>
+                            </m:sSub>
+                            <m:r>
+                              <a:rPr lang="en-US" b="0" i="1" smtClean="0">
+                                <a:latin typeface="Cambria Math" charset="0"/>
+                              </a:rPr>
+                              <m:t>)</m:t>
+                            </m:r>
+                          </m:oMath>
+                        </m:oMathPara>
+                      </a14:m>
+                      <a:endParaRPr lang="en-US" dirty="0"/>
+                    </a:p>
+                  </p:txBody>
+                </p:sp>
+              </mc:Choice>
+              <mc:Fallback xmlns="">
+                <p:sp>
+                  <p:nvSpPr>
+                    <p:cNvPr id="5" name="Rectangle 4"/>
+                    <p:cNvSpPr>
+                      <a:spLocks noRot="1" noChangeAspect="1" noMove="1" noResize="1" noEditPoints="1" noAdjustHandles="1" noChangeArrowheads="1" noChangeShapeType="1" noTextEdit="1"/>
+                    </p:cNvSpPr>
+                    <p:nvPr/>
+                  </p:nvSpPr>
+                  <p:spPr>
+                    <a:xfrm>
+                      <a:off x="1606759" y="1063454"/>
+                      <a:ext cx="769570" cy="369332"/>
+                    </a:xfrm>
+                    <a:prstGeom prst="rect">
+                      <a:avLst/>
+                    </a:prstGeom>
+                    <a:blipFill rotWithShape="0">
+                      <a:blip r:embed="rId2"/>
+                      <a:stretch>
+                        <a:fillRect b="-13115"/>
+                      </a:stretch>
+                    </a:blipFill>
+                  </p:spPr>
+                  <p:txBody>
+                    <a:bodyPr/>
+                    <a:lstStyle/>
+                    <a:p>
+                      <a:r>
+                        <a:rPr lang="en-US">
+                          <a:noFill/>
+                        </a:rPr>
+                        <a:t> </a:t>
+                      </a:r>
+                    </a:p>
+                  </p:txBody>
+                </p:sp>
+              </mc:Fallback>
+            </mc:AlternateContent>
+            <p:sp>
+              <p:nvSpPr>
+                <p:cNvPr id="7" name="Rectangle 6"/>
+                <p:cNvSpPr/>
+                <p:nvPr/>
+              </p:nvSpPr>
+              <p:spPr>
+                <a:xfrm>
+                  <a:off x="3056942" y="1525017"/>
+                  <a:ext cx="360040" cy="351583"/>
+                </a:xfrm>
+                <a:prstGeom prst="rect">
+                  <a:avLst/>
+                </a:prstGeom>
+                <a:solidFill>
+                  <a:schemeClr val="bg1"/>
+                </a:solidFill>
+                <a:ln w="28575">
+                  <a:solidFill>
+                    <a:schemeClr val="tx1"/>
+                  </a:solidFill>
+                </a:ln>
+              </p:spPr>
+              <p:style>
+                <a:lnRef idx="2">
+                  <a:schemeClr val="accent1">
+                    <a:shade val="50000"/>
+                  </a:schemeClr>
+                </a:lnRef>
+                <a:fillRef idx="1">
+                  <a:schemeClr val="accent1"/>
+                </a:fillRef>
+                <a:effectRef idx="0">
+                  <a:schemeClr val="accent1"/>
+                </a:effectRef>
+                <a:fontRef idx="minor">
+                  <a:schemeClr val="lt1"/>
+                </a:fontRef>
+              </p:style>
+              <p:txBody>
+                <a:bodyPr rtlCol="0" anchor="ctr"/>
+                <a:lstStyle/>
+                <a:p>
+                  <a:pPr algn="ctr"/>
+                  <a:endParaRPr lang="en-US" dirty="0"/>
+                </a:p>
+              </p:txBody>
+            </p:sp>
+            <p:sp>
+              <p:nvSpPr>
+                <p:cNvPr id="8" name="TextBox 7"/>
+                <p:cNvSpPr txBox="1"/>
+                <p:nvPr/>
+              </p:nvSpPr>
+              <p:spPr>
+                <a:xfrm>
+                  <a:off x="3080380" y="1469975"/>
+                  <a:ext cx="432048" cy="461665"/>
+                </a:xfrm>
+                <a:prstGeom prst="rect">
+                  <a:avLst/>
+                </a:prstGeom>
+                <a:noFill/>
+                <a:ln>
+                  <a:noFill/>
+                </a:ln>
+              </p:spPr>
+              <p:txBody>
+                <a:bodyPr wrap="square" rtlCol="0">
+                  <a:spAutoFit/>
+                </a:bodyPr>
+                <a:lstStyle/>
+                <a:p>
+                  <a:r>
+                    <a:rPr lang="en-US" sz="2400" dirty="0" smtClean="0"/>
+                    <a:t>=</a:t>
+                  </a:r>
+                  <a:endParaRPr lang="en-US" sz="2400" dirty="0"/>
+                </a:p>
+              </p:txBody>
+            </p:sp>
+            <p:cxnSp>
+              <p:nvCxnSpPr>
+                <p:cNvPr id="10" name="Straight Connector 9"/>
+                <p:cNvCxnSpPr/>
+                <p:nvPr/>
+              </p:nvCxnSpPr>
+              <p:spPr>
+                <a:xfrm>
+                  <a:off x="2423592" y="1700808"/>
+                  <a:ext cx="633350" cy="1"/>
+                </a:xfrm>
+                <a:prstGeom prst="line">
+                  <a:avLst/>
+                </a:prstGeom>
+                <a:ln w="28575">
+                  <a:solidFill>
+                    <a:schemeClr val="tx1"/>
+                  </a:solidFill>
+                </a:ln>
+              </p:spPr>
+              <p:style>
+                <a:lnRef idx="1">
+                  <a:schemeClr val="accent1"/>
+                </a:lnRef>
+                <a:fillRef idx="0">
+                  <a:schemeClr val="accent1"/>
+                </a:fillRef>
+                <a:effectRef idx="0">
+                  <a:schemeClr val="accent1"/>
+                </a:effectRef>
+                <a:fontRef idx="minor">
+                  <a:schemeClr val="tx1"/>
+                </a:fontRef>
+              </p:style>
+            </p:cxnSp>
+            <p:cxnSp>
+              <p:nvCxnSpPr>
+                <p:cNvPr id="12" name="Straight Connector 11"/>
+                <p:cNvCxnSpPr/>
+                <p:nvPr/>
+              </p:nvCxnSpPr>
+              <p:spPr>
+                <a:xfrm>
+                  <a:off x="3416982" y="1700808"/>
+                  <a:ext cx="633350" cy="0"/>
+                </a:xfrm>
+                <a:prstGeom prst="line">
+                  <a:avLst/>
+                </a:prstGeom>
+                <a:ln w="28575">
+                  <a:solidFill>
+                    <a:schemeClr val="tx1"/>
+                  </a:solidFill>
+                </a:ln>
+              </p:spPr>
+              <p:style>
+                <a:lnRef idx="1">
+                  <a:schemeClr val="accent1"/>
+                </a:lnRef>
+                <a:fillRef idx="0">
+                  <a:schemeClr val="accent1"/>
+                </a:fillRef>
+                <a:effectRef idx="0">
+                  <a:schemeClr val="accent1"/>
+                </a:effectRef>
+                <a:fontRef idx="minor">
+                  <a:schemeClr val="tx1"/>
+                </a:fontRef>
+              </p:style>
+            </p:cxnSp>
+            <p:sp>
+              <p:nvSpPr>
+                <p:cNvPr id="13" name="Rectangle 12"/>
+                <p:cNvSpPr/>
+                <p:nvPr/>
+              </p:nvSpPr>
+              <p:spPr>
+                <a:xfrm>
+                  <a:off x="3020938" y="2420888"/>
+                  <a:ext cx="432048" cy="432048"/>
+                </a:xfrm>
+                <a:prstGeom prst="rect">
+                  <a:avLst/>
+                </a:prstGeom>
+                <a:solidFill>
+                  <a:schemeClr val="bg1"/>
+                </a:solidFill>
+                <a:ln w="28575">
+                  <a:solidFill>
+                    <a:schemeClr val="tx1"/>
+                  </a:solidFill>
+                </a:ln>
+              </p:spPr>
+              <p:style>
+                <a:lnRef idx="2">
+                  <a:schemeClr val="accent1">
+                    <a:shade val="50000"/>
+                  </a:schemeClr>
+                </a:lnRef>
+                <a:fillRef idx="1">
+                  <a:schemeClr val="accent1"/>
+                </a:fillRef>
+                <a:effectRef idx="0">
+                  <a:schemeClr val="accent1"/>
+                </a:effectRef>
+                <a:fontRef idx="minor">
+                  <a:schemeClr val="lt1"/>
+                </a:fontRef>
+              </p:style>
+              <p:txBody>
+                <a:bodyPr rtlCol="0" anchor="ctr"/>
+                <a:lstStyle/>
+                <a:p>
+                  <a:pPr algn="ctr"/>
+                  <a:endParaRPr lang="en-US" dirty="0"/>
+                </a:p>
+              </p:txBody>
+            </p:sp>
+            <p:cxnSp>
+              <p:nvCxnSpPr>
+                <p:cNvPr id="19" name="Straight Connector 18"/>
+                <p:cNvCxnSpPr/>
+                <p:nvPr/>
+              </p:nvCxnSpPr>
+              <p:spPr>
+                <a:xfrm>
+                  <a:off x="3236962" y="1876599"/>
+                  <a:ext cx="0" cy="544289"/>
+                </a:xfrm>
+                <a:prstGeom prst="line">
+                  <a:avLst/>
+                </a:prstGeom>
+                <a:ln w="28575">
+                  <a:solidFill>
+                    <a:schemeClr val="tx1"/>
+                  </a:solidFill>
+                </a:ln>
+              </p:spPr>
+              <p:style>
+                <a:lnRef idx="1">
+                  <a:schemeClr val="accent1"/>
+                </a:lnRef>
+                <a:fillRef idx="0">
+                  <a:schemeClr val="accent1"/>
+                </a:fillRef>
+                <a:effectRef idx="0">
+                  <a:schemeClr val="accent1"/>
+                </a:effectRef>
+                <a:fontRef idx="minor">
+                  <a:schemeClr val="tx1"/>
+                </a:fontRef>
+              </p:style>
+            </p:cxnSp>
+            <p:cxnSp>
+              <p:nvCxnSpPr>
+                <p:cNvPr id="21" name="Straight Connector 20"/>
+                <p:cNvCxnSpPr/>
+                <p:nvPr/>
+              </p:nvCxnSpPr>
+              <p:spPr>
+                <a:xfrm>
+                  <a:off x="3236962" y="2852936"/>
+                  <a:ext cx="0" cy="544289"/>
+                </a:xfrm>
+                <a:prstGeom prst="line">
+                  <a:avLst/>
+                </a:prstGeom>
+                <a:ln w="28575">
+                  <a:solidFill>
+                    <a:schemeClr val="tx1"/>
+                  </a:solidFill>
+                </a:ln>
+              </p:spPr>
+              <p:style>
+                <a:lnRef idx="1">
+                  <a:schemeClr val="accent1"/>
+                </a:lnRef>
+                <a:fillRef idx="0">
+                  <a:schemeClr val="accent1"/>
+                </a:fillRef>
+                <a:effectRef idx="0">
+                  <a:schemeClr val="accent1"/>
+                </a:effectRef>
+                <a:fontRef idx="minor">
+                  <a:schemeClr val="tx1"/>
+                </a:fontRef>
+              </p:style>
+            </p:cxnSp>
+            <mc:AlternateContent xmlns:mc="http://schemas.openxmlformats.org/markup-compatibility/2006" xmlns:a14="http://schemas.microsoft.com/office/drawing/2010/main">
+              <mc:Choice Requires="a14">
+                <p:sp>
+                  <p:nvSpPr>
+                    <p:cNvPr id="27" name="Rectangle 26"/>
+                    <p:cNvSpPr/>
+                    <p:nvPr/>
+                  </p:nvSpPr>
+                  <p:spPr>
+                    <a:xfrm>
+                      <a:off x="2749636" y="2928574"/>
+                      <a:ext cx="478528" cy="369332"/>
+                    </a:xfrm>
+                    <a:prstGeom prst="rect">
+                      <a:avLst/>
+                    </a:prstGeom>
+                    <a:ln>
+                      <a:noFill/>
+                    </a:ln>
+                  </p:spPr>
+                  <p:txBody>
+                    <a:bodyPr wrap="none">
+                      <a:spAutoFit/>
+                    </a:bodyPr>
+                    <a:lstStyle/>
+                    <a:p>
+                      <a:pPr/>
+                      <a14:m>
+                        <m:oMathPara xmlns:m="http://schemas.openxmlformats.org/officeDocument/2006/math">
+                          <m:oMathParaPr>
+                            <m:jc m:val="centerGroup"/>
+                          </m:oMathParaPr>
+                          <m:oMath xmlns:m="http://schemas.openxmlformats.org/officeDocument/2006/math">
+                            <m:sSub>
+                              <m:sSubPr>
+                                <m:ctrlPr>
+                                  <a:rPr lang="en-US" i="1" smtClean="0">
+                                    <a:latin typeface="Cambria Math" charset="0"/>
+                                  </a:rPr>
+                                </m:ctrlPr>
+                              </m:sSubPr>
+                              <m:e>
+                                <m:r>
+                                  <a:rPr lang="en-US" b="0" i="1" smtClean="0">
+                                    <a:latin typeface="Cambria Math" charset="0"/>
+                                  </a:rPr>
+                                  <m:t>𝑋</m:t>
+                                </m:r>
+                              </m:e>
+                              <m:sub>
+                                <m:r>
+                                  <a:rPr lang="en-US" b="0" i="1" smtClean="0">
+                                    <a:latin typeface="Cambria Math" charset="0"/>
+                                  </a:rPr>
+                                  <m:t>1</m:t>
+                                </m:r>
+                              </m:sub>
+                            </m:sSub>
+                          </m:oMath>
+                        </m:oMathPara>
+                      </a14:m>
+                      <a:endParaRPr lang="en-US" dirty="0"/>
+                    </a:p>
+                  </p:txBody>
+                </p:sp>
+              </mc:Choice>
+              <mc:Fallback xmlns="">
+                <p:sp>
+                  <p:nvSpPr>
+                    <p:cNvPr id="27" name="Rectangle 26"/>
+                    <p:cNvSpPr>
+                      <a:spLocks noRot="1" noChangeAspect="1" noMove="1" noResize="1" noEditPoints="1" noAdjustHandles="1" noChangeArrowheads="1" noChangeShapeType="1" noTextEdit="1"/>
+                    </p:cNvSpPr>
+                    <p:nvPr/>
+                  </p:nvSpPr>
+                  <p:spPr>
+                    <a:xfrm>
+                      <a:off x="2749636" y="2928574"/>
+                      <a:ext cx="478528" cy="369332"/>
+                    </a:xfrm>
+                    <a:prstGeom prst="rect">
+                      <a:avLst/>
+                    </a:prstGeom>
+                    <a:blipFill rotWithShape="0">
+                      <a:blip r:embed="rId3"/>
+                      <a:stretch>
+                        <a:fillRect/>
+                      </a:stretch>
+                    </a:blipFill>
+                    <a:ln>
+                      <a:noFill/>
+                    </a:ln>
+                  </p:spPr>
+                  <p:txBody>
+                    <a:bodyPr/>
+                    <a:lstStyle/>
+                    <a:p>
+                      <a:r>
+                        <a:rPr lang="en-US">
+                          <a:noFill/>
+                        </a:rPr>
+                        <a:t> </a:t>
+                      </a:r>
+                    </a:p>
+                  </p:txBody>
+                </p:sp>
+              </mc:Fallback>
+            </mc:AlternateContent>
+            <mc:AlternateContent xmlns:mc="http://schemas.openxmlformats.org/markup-compatibility/2006" xmlns:a14="http://schemas.microsoft.com/office/drawing/2010/main">
+              <mc:Choice Requires="a14">
+                <p:sp>
+                  <p:nvSpPr>
+                    <p:cNvPr id="46" name="Rectangle 45"/>
+                    <p:cNvSpPr/>
+                    <p:nvPr/>
+                  </p:nvSpPr>
+                  <p:spPr>
+                    <a:xfrm>
+                      <a:off x="1950979" y="2439918"/>
+                      <a:ext cx="1066510" cy="369332"/>
+                    </a:xfrm>
+                    <a:prstGeom prst="rect">
+                      <a:avLst/>
+                    </a:prstGeom>
+                  </p:spPr>
+                  <p:txBody>
+                    <a:bodyPr wrap="none">
+                      <a:spAutoFit/>
+                    </a:bodyPr>
+                    <a:lstStyle/>
+                    <a:p>
+                      <a:pPr/>
+                      <a14:m>
+                        <m:oMathPara xmlns:m="http://schemas.openxmlformats.org/officeDocument/2006/math">
+                          <m:oMathParaPr>
+                            <m:jc m:val="centerGroup"/>
+                          </m:oMathParaPr>
+                          <m:oMath xmlns:m="http://schemas.openxmlformats.org/officeDocument/2006/math">
+                            <m:r>
+                              <a:rPr lang="en-US" b="0" i="1" smtClean="0">
+                                <a:latin typeface="Cambria Math" charset="0"/>
+                              </a:rPr>
+                              <m:t>𝑝</m:t>
+                            </m:r>
+                            <m:r>
+                              <a:rPr lang="en-US" b="0" i="1" smtClean="0">
+                                <a:latin typeface="Cambria Math" charset="0"/>
+                              </a:rPr>
+                              <m:t>(</m:t>
+                            </m:r>
+                            <m:sSub>
+                              <m:sSubPr>
+                                <m:ctrlPr>
+                                  <a:rPr lang="en-US" b="0" i="1" smtClean="0">
+                                    <a:latin typeface="Cambria Math" charset="0"/>
+                                  </a:rPr>
+                                </m:ctrlPr>
+                              </m:sSubPr>
+                              <m:e>
+                                <m:sSub>
+                                  <m:sSubPr>
+                                    <m:ctrlPr>
+                                      <a:rPr lang="en-US" b="0" i="1" smtClean="0">
+                                        <a:latin typeface="Cambria Math" charset="0"/>
+                                      </a:rPr>
+                                    </m:ctrlPr>
+                                  </m:sSubPr>
+                                  <m:e>
+                                    <m:r>
+                                      <a:rPr lang="en-US" b="0" i="1" smtClean="0">
+                                        <a:latin typeface="Cambria Math" charset="0"/>
+                                      </a:rPr>
+                                      <m:t>𝑥</m:t>
+                                    </m:r>
+                                  </m:e>
+                                  <m:sub>
+                                    <m:r>
+                                      <a:rPr lang="en-US" b="0" i="1" smtClean="0">
+                                        <a:latin typeface="Cambria Math" charset="0"/>
+                                      </a:rPr>
+                                      <m:t>1</m:t>
+                                    </m:r>
+                                  </m:sub>
+                                </m:sSub>
+                                <m:r>
+                                  <a:rPr lang="en-US" b="0" i="1" smtClean="0">
+                                    <a:latin typeface="Cambria Math" charset="0"/>
+                                  </a:rPr>
+                                  <m:t>|</m:t>
+                                </m:r>
+                                <m:r>
+                                  <a:rPr lang="en-US" b="0" i="1" smtClean="0">
+                                    <a:latin typeface="Cambria Math" charset="0"/>
+                                  </a:rPr>
+                                  <m:t>𝑧</m:t>
+                                </m:r>
+                              </m:e>
+                              <m:sub>
+                                <m:r>
+                                  <a:rPr lang="en-US" b="0" i="1" smtClean="0">
+                                    <a:latin typeface="Cambria Math" charset="0"/>
+                                  </a:rPr>
+                                  <m:t>1</m:t>
+                                </m:r>
+                              </m:sub>
+                            </m:sSub>
+                            <m:r>
+                              <a:rPr lang="en-US" b="0" i="1" smtClean="0">
+                                <a:latin typeface="Cambria Math" charset="0"/>
+                              </a:rPr>
+                              <m:t>)</m:t>
+                            </m:r>
+                          </m:oMath>
+                        </m:oMathPara>
+                      </a14:m>
+                      <a:endParaRPr lang="en-US" dirty="0"/>
+                    </a:p>
+                  </p:txBody>
+                </p:sp>
+              </mc:Choice>
+              <mc:Fallback xmlns="">
+                <p:sp>
+                  <p:nvSpPr>
+                    <p:cNvPr id="46" name="Rectangle 45"/>
+                    <p:cNvSpPr>
+                      <a:spLocks noRot="1" noChangeAspect="1" noMove="1" noResize="1" noEditPoints="1" noAdjustHandles="1" noChangeArrowheads="1" noChangeShapeType="1" noTextEdit="1"/>
+                    </p:cNvSpPr>
+                    <p:nvPr/>
+                  </p:nvSpPr>
+                  <p:spPr>
+                    <a:xfrm>
+                      <a:off x="1950979" y="2439918"/>
+                      <a:ext cx="1066510" cy="369332"/>
+                    </a:xfrm>
+                    <a:prstGeom prst="rect">
+                      <a:avLst/>
+                    </a:prstGeom>
+                    <a:blipFill rotWithShape="0">
+                      <a:blip r:embed="rId4"/>
+                      <a:stretch>
+                        <a:fillRect b="-13115"/>
+                      </a:stretch>
+                    </a:blipFill>
+                  </p:spPr>
+                  <p:txBody>
+                    <a:bodyPr/>
+                    <a:lstStyle/>
+                    <a:p>
+                      <a:r>
+                        <a:rPr lang="en-US">
+                          <a:noFill/>
+                        </a:rPr>
+                        <a:t> </a:t>
+                      </a:r>
+                    </a:p>
+                  </p:txBody>
+                </p:sp>
+              </mc:Fallback>
+            </mc:AlternateContent>
+            <mc:AlternateContent xmlns:mc="http://schemas.openxmlformats.org/markup-compatibility/2006" xmlns:a14="http://schemas.microsoft.com/office/drawing/2010/main">
+              <mc:Choice Requires="a14">
+                <p:sp>
+                  <p:nvSpPr>
+                    <p:cNvPr id="47" name="Rectangle 46"/>
+                    <p:cNvSpPr/>
+                    <p:nvPr/>
+                  </p:nvSpPr>
+                  <p:spPr>
+                    <a:xfrm>
+                      <a:off x="2521472" y="1741043"/>
+                      <a:ext cx="469103" cy="369332"/>
+                    </a:xfrm>
+                    <a:prstGeom prst="rect">
+                      <a:avLst/>
+                    </a:prstGeom>
+                    <a:ln>
+                      <a:noFill/>
+                    </a:ln>
+                  </p:spPr>
+                  <p:txBody>
+                    <a:bodyPr wrap="none">
+                      <a:spAutoFit/>
+                    </a:bodyPr>
+                    <a:lstStyle/>
+                    <a:p>
+                      <a:pPr/>
+                      <a14:m>
+                        <m:oMathPara xmlns:m="http://schemas.openxmlformats.org/officeDocument/2006/math">
+                          <m:oMathParaPr>
+                            <m:jc m:val="centerGroup"/>
+                          </m:oMathParaPr>
+                          <m:oMath xmlns:m="http://schemas.openxmlformats.org/officeDocument/2006/math">
+                            <m:sSub>
+                              <m:sSubPr>
+                                <m:ctrlPr>
+                                  <a:rPr lang="en-US" i="1" smtClean="0">
+                                    <a:latin typeface="Cambria Math" charset="0"/>
+                                  </a:rPr>
+                                </m:ctrlPr>
+                              </m:sSubPr>
+                              <m:e>
+                                <m:r>
+                                  <a:rPr lang="en-US" b="0" i="1" smtClean="0">
+                                    <a:latin typeface="Cambria Math" charset="0"/>
+                                  </a:rPr>
+                                  <m:t>𝑍</m:t>
+                                </m:r>
+                              </m:e>
+                              <m:sub>
+                                <m:r>
+                                  <a:rPr lang="en-US" b="0" i="1" smtClean="0">
+                                    <a:latin typeface="Cambria Math" charset="0"/>
+                                  </a:rPr>
+                                  <m:t>1</m:t>
+                                </m:r>
+                              </m:sub>
+                            </m:sSub>
+                          </m:oMath>
+                        </m:oMathPara>
+                      </a14:m>
+                      <a:endParaRPr lang="en-US" dirty="0"/>
+                    </a:p>
+                  </p:txBody>
+                </p:sp>
+              </mc:Choice>
+              <mc:Fallback xmlns="">
+                <p:sp>
+                  <p:nvSpPr>
+                    <p:cNvPr id="47" name="Rectangle 46"/>
+                    <p:cNvSpPr>
+                      <a:spLocks noRot="1" noChangeAspect="1" noMove="1" noResize="1" noEditPoints="1" noAdjustHandles="1" noChangeArrowheads="1" noChangeShapeType="1" noTextEdit="1"/>
+                    </p:cNvSpPr>
+                    <p:nvPr/>
+                  </p:nvSpPr>
+                  <p:spPr>
+                    <a:xfrm>
+                      <a:off x="2521472" y="1741043"/>
+                      <a:ext cx="469103" cy="369332"/>
+                    </a:xfrm>
+                    <a:prstGeom prst="rect">
+                      <a:avLst/>
+                    </a:prstGeom>
+                    <a:blipFill rotWithShape="0">
+                      <a:blip r:embed="rId5"/>
+                      <a:stretch>
+                        <a:fillRect/>
+                      </a:stretch>
+                    </a:blipFill>
+                    <a:ln>
+                      <a:noFill/>
+                    </a:ln>
+                  </p:spPr>
+                  <p:txBody>
+                    <a:bodyPr/>
+                    <a:lstStyle/>
+                    <a:p>
+                      <a:r>
+                        <a:rPr lang="en-US">
+                          <a:noFill/>
+                        </a:rPr>
+                        <a:t> </a:t>
+                      </a:r>
+                    </a:p>
+                  </p:txBody>
+                </p:sp>
+              </mc:Fallback>
+            </mc:AlternateContent>
+          </p:grpSp>
+          <p:grpSp>
+            <p:nvGrpSpPr>
+              <p:cNvPr id="52" name="Group 51"/>
+              <p:cNvGrpSpPr/>
+              <p:nvPr/>
+            </p:nvGrpSpPr>
+            <p:grpSpPr>
+              <a:xfrm>
+                <a:off x="3833772" y="997070"/>
+                <a:ext cx="2284470" cy="2395842"/>
+                <a:chOff x="1765862" y="1001383"/>
+                <a:chExt cx="2284470" cy="2395842"/>
+              </a:xfrm>
+            </p:grpSpPr>
+            <p:sp>
+              <p:nvSpPr>
+                <p:cNvPr id="53" name="Rectangle 52"/>
+                <p:cNvSpPr/>
+                <p:nvPr/>
+              </p:nvSpPr>
+              <p:spPr>
+                <a:xfrm>
+                  <a:off x="1991544" y="1484784"/>
+                  <a:ext cx="432048" cy="432048"/>
+                </a:xfrm>
+                <a:prstGeom prst="rect">
+                  <a:avLst/>
+                </a:prstGeom>
+                <a:solidFill>
+                  <a:schemeClr val="bg1"/>
+                </a:solidFill>
+                <a:ln w="28575">
+                  <a:solidFill>
+                    <a:schemeClr val="tx1"/>
+                  </a:solidFill>
+                </a:ln>
+              </p:spPr>
+              <p:style>
+                <a:lnRef idx="2">
+                  <a:schemeClr val="accent1">
+                    <a:shade val="50000"/>
+                  </a:schemeClr>
+                </a:lnRef>
+                <a:fillRef idx="1">
+                  <a:schemeClr val="accent1"/>
+                </a:fillRef>
+                <a:effectRef idx="0">
+                  <a:schemeClr val="accent1"/>
+                </a:effectRef>
+                <a:fontRef idx="minor">
+                  <a:schemeClr val="lt1"/>
+                </a:fontRef>
+              </p:style>
+              <p:txBody>
+                <a:bodyPr rtlCol="0" anchor="ctr"/>
+                <a:lstStyle/>
+                <a:p>
+                  <a:pPr algn="ctr"/>
+                  <a:endParaRPr lang="en-US" dirty="0"/>
+                </a:p>
+              </p:txBody>
+            </p:sp>
+            <mc:AlternateContent xmlns:mc="http://schemas.openxmlformats.org/markup-compatibility/2006" xmlns:a14="http://schemas.microsoft.com/office/drawing/2010/main">
+              <mc:Choice Requires="a14">
+                <p:sp>
+                  <p:nvSpPr>
+                    <p:cNvPr id="54" name="Rectangle 53"/>
+                    <p:cNvSpPr/>
+                    <p:nvPr/>
+                  </p:nvSpPr>
+                  <p:spPr>
+                    <a:xfrm>
+                      <a:off x="1765862" y="1001383"/>
+                      <a:ext cx="1057212" cy="369332"/>
+                    </a:xfrm>
+                    <a:prstGeom prst="rect">
+                      <a:avLst/>
+                    </a:prstGeom>
+                  </p:spPr>
+                  <p:txBody>
+                    <a:bodyPr wrap="none">
+                      <a:spAutoFit/>
+                    </a:bodyPr>
+                    <a:lstStyle/>
+                    <a:p>
+                      <a:pPr/>
+                      <a14:m>
+                        <m:oMathPara xmlns:m="http://schemas.openxmlformats.org/officeDocument/2006/math">
+                          <m:oMathParaPr>
+                            <m:jc m:val="centerGroup"/>
+                          </m:oMathParaPr>
+                          <m:oMath xmlns:m="http://schemas.openxmlformats.org/officeDocument/2006/math">
+                            <m:r>
+                              <a:rPr lang="en-US" b="0" i="1" smtClean="0">
+                                <a:latin typeface="Cambria Math" charset="0"/>
+                              </a:rPr>
+                              <m:t>𝑝</m:t>
+                            </m:r>
+                            <m:r>
+                              <a:rPr lang="en-US" b="0" i="1" smtClean="0">
+                                <a:latin typeface="Cambria Math" charset="0"/>
+                              </a:rPr>
+                              <m:t>(</m:t>
+                            </m:r>
+                            <m:sSub>
+                              <m:sSubPr>
+                                <m:ctrlPr>
+                                  <a:rPr lang="en-US" b="0" i="1" smtClean="0">
+                                    <a:latin typeface="Cambria Math" charset="0"/>
+                                  </a:rPr>
+                                </m:ctrlPr>
+                              </m:sSubPr>
+                              <m:e>
+                                <m:r>
+                                  <a:rPr lang="en-US" b="0" i="1" smtClean="0">
+                                    <a:latin typeface="Cambria Math" charset="0"/>
+                                  </a:rPr>
+                                  <m:t>𝑧</m:t>
+                                </m:r>
+                              </m:e>
+                              <m:sub>
+                                <m:r>
+                                  <a:rPr lang="en-US" b="0" i="1" smtClean="0">
+                                    <a:latin typeface="Cambria Math" charset="0"/>
+                                  </a:rPr>
+                                  <m:t>2</m:t>
+                                </m:r>
+                              </m:sub>
+                            </m:sSub>
+                            <m:r>
+                              <a:rPr lang="en-US" b="0" i="1" smtClean="0">
+                                <a:latin typeface="Cambria Math" charset="0"/>
+                              </a:rPr>
+                              <m:t>|</m:t>
+                            </m:r>
+                            <m:sSub>
+                              <m:sSubPr>
+                                <m:ctrlPr>
+                                  <a:rPr lang="en-US" b="0" i="1" smtClean="0">
+                                    <a:latin typeface="Cambria Math" charset="0"/>
+                                  </a:rPr>
+                                </m:ctrlPr>
+                              </m:sSubPr>
+                              <m:e>
+                                <m:r>
+                                  <a:rPr lang="en-US" b="0" i="1" smtClean="0">
+                                    <a:latin typeface="Cambria Math" charset="0"/>
+                                  </a:rPr>
+                                  <m:t>𝑧</m:t>
+                                </m:r>
+                              </m:e>
+                              <m:sub>
+                                <m:r>
+                                  <a:rPr lang="en-US" b="0" i="1" smtClean="0">
+                                    <a:latin typeface="Cambria Math" charset="0"/>
+                                  </a:rPr>
+                                  <m:t>1</m:t>
+                                </m:r>
+                              </m:sub>
+                            </m:sSub>
+                            <m:r>
+                              <a:rPr lang="en-US" b="0" i="1" smtClean="0">
+                                <a:latin typeface="Cambria Math" charset="0"/>
+                              </a:rPr>
+                              <m:t>)</m:t>
+                            </m:r>
+                          </m:oMath>
+                        </m:oMathPara>
+                      </a14:m>
+                      <a:endParaRPr lang="en-US" dirty="0"/>
+                    </a:p>
+                  </p:txBody>
+                </p:sp>
+              </mc:Choice>
+              <mc:Fallback xmlns="">
+                <p:sp>
+                  <p:nvSpPr>
+                    <p:cNvPr id="54" name="Rectangle 53"/>
+                    <p:cNvSpPr>
+                      <a:spLocks noRot="1" noChangeAspect="1" noMove="1" noResize="1" noEditPoints="1" noAdjustHandles="1" noChangeArrowheads="1" noChangeShapeType="1" noTextEdit="1"/>
+                    </p:cNvSpPr>
+                    <p:nvPr/>
+                  </p:nvSpPr>
+                  <p:spPr>
+                    <a:xfrm>
+                      <a:off x="1765862" y="1001383"/>
+                      <a:ext cx="1057212" cy="369332"/>
+                    </a:xfrm>
+                    <a:prstGeom prst="rect">
+                      <a:avLst/>
+                    </a:prstGeom>
+                    <a:blipFill rotWithShape="0">
+                      <a:blip r:embed="rId6"/>
+                      <a:stretch>
+                        <a:fillRect b="-13333"/>
+                      </a:stretch>
+                    </a:blipFill>
+                  </p:spPr>
+                  <p:txBody>
+                    <a:bodyPr/>
+                    <a:lstStyle/>
+                    <a:p>
+                      <a:r>
+                        <a:rPr lang="en-US">
+                          <a:noFill/>
+                        </a:rPr>
+                        <a:t> </a:t>
+                      </a:r>
+                    </a:p>
+                  </p:txBody>
+                </p:sp>
+              </mc:Fallback>
+            </mc:AlternateContent>
+            <p:sp>
+              <p:nvSpPr>
+                <p:cNvPr id="55" name="Rectangle 54"/>
+                <p:cNvSpPr/>
+                <p:nvPr/>
+              </p:nvSpPr>
+              <p:spPr>
+                <a:xfrm>
+                  <a:off x="3056942" y="1525017"/>
+                  <a:ext cx="360040" cy="351583"/>
+                </a:xfrm>
+                <a:prstGeom prst="rect">
+                  <a:avLst/>
+                </a:prstGeom>
+                <a:solidFill>
+                  <a:schemeClr val="bg1"/>
+                </a:solidFill>
+                <a:ln w="28575">
+                  <a:solidFill>
+                    <a:schemeClr val="tx1"/>
+                  </a:solidFill>
+                </a:ln>
+              </p:spPr>
+              <p:style>
+                <a:lnRef idx="2">
+                  <a:schemeClr val="accent1">
+                    <a:shade val="50000"/>
+                  </a:schemeClr>
+                </a:lnRef>
+                <a:fillRef idx="1">
+                  <a:schemeClr val="accent1"/>
+                </a:fillRef>
+                <a:effectRef idx="0">
+                  <a:schemeClr val="accent1"/>
+                </a:effectRef>
+                <a:fontRef idx="minor">
+                  <a:schemeClr val="lt1"/>
+                </a:fontRef>
+              </p:style>
+              <p:txBody>
+                <a:bodyPr rtlCol="0" anchor="ctr"/>
+                <a:lstStyle/>
+                <a:p>
+                  <a:pPr algn="ctr"/>
+                  <a:endParaRPr lang="en-US" dirty="0"/>
+                </a:p>
+              </p:txBody>
+            </p:sp>
+            <p:sp>
+              <p:nvSpPr>
+                <p:cNvPr id="56" name="TextBox 55"/>
+                <p:cNvSpPr txBox="1"/>
+                <p:nvPr/>
+              </p:nvSpPr>
+              <p:spPr>
+                <a:xfrm>
+                  <a:off x="3080380" y="1469975"/>
+                  <a:ext cx="432048" cy="461665"/>
+                </a:xfrm>
+                <a:prstGeom prst="rect">
+                  <a:avLst/>
+                </a:prstGeom>
+                <a:noFill/>
+                <a:ln>
+                  <a:noFill/>
+                </a:ln>
+              </p:spPr>
+              <p:txBody>
+                <a:bodyPr wrap="square" rtlCol="0">
+                  <a:spAutoFit/>
+                </a:bodyPr>
+                <a:lstStyle/>
+                <a:p>
+                  <a:r>
+                    <a:rPr lang="en-US" sz="2400" dirty="0" smtClean="0"/>
+                    <a:t>=</a:t>
+                  </a:r>
+                  <a:endParaRPr lang="en-US" sz="2400" dirty="0"/>
+                </a:p>
+              </p:txBody>
+            </p:sp>
+            <p:cxnSp>
+              <p:nvCxnSpPr>
+                <p:cNvPr id="60" name="Straight Connector 59"/>
+                <p:cNvCxnSpPr/>
+                <p:nvPr/>
+              </p:nvCxnSpPr>
+              <p:spPr>
+                <a:xfrm>
+                  <a:off x="2423592" y="1700808"/>
+                  <a:ext cx="633350" cy="1"/>
+                </a:xfrm>
+                <a:prstGeom prst="line">
+                  <a:avLst/>
+                </a:prstGeom>
+                <a:ln w="28575">
+                  <a:solidFill>
+                    <a:schemeClr val="tx1"/>
+                  </a:solidFill>
+                </a:ln>
+              </p:spPr>
+              <p:style>
+                <a:lnRef idx="1">
+                  <a:schemeClr val="accent1"/>
+                </a:lnRef>
+                <a:fillRef idx="0">
+                  <a:schemeClr val="accent1"/>
+                </a:fillRef>
+                <a:effectRef idx="0">
+                  <a:schemeClr val="accent1"/>
+                </a:effectRef>
+                <a:fontRef idx="minor">
+                  <a:schemeClr val="tx1"/>
+                </a:fontRef>
+              </p:style>
+            </p:cxnSp>
+            <p:cxnSp>
+              <p:nvCxnSpPr>
+                <p:cNvPr id="64" name="Straight Connector 63"/>
+                <p:cNvCxnSpPr/>
+                <p:nvPr/>
+              </p:nvCxnSpPr>
+              <p:spPr>
+                <a:xfrm>
+                  <a:off x="3416982" y="1700808"/>
+                  <a:ext cx="633350" cy="0"/>
+                </a:xfrm>
+                <a:prstGeom prst="line">
+                  <a:avLst/>
+                </a:prstGeom>
+                <a:ln w="28575">
+                  <a:solidFill>
+                    <a:schemeClr val="tx1"/>
+                  </a:solidFill>
+                </a:ln>
+              </p:spPr>
+              <p:style>
+                <a:lnRef idx="1">
+                  <a:schemeClr val="accent1"/>
+                </a:lnRef>
+                <a:fillRef idx="0">
+                  <a:schemeClr val="accent1"/>
+                </a:fillRef>
+                <a:effectRef idx="0">
+                  <a:schemeClr val="accent1"/>
+                </a:effectRef>
+                <a:fontRef idx="minor">
+                  <a:schemeClr val="tx1"/>
+                </a:fontRef>
+              </p:style>
+            </p:cxnSp>
+            <p:sp>
+              <p:nvSpPr>
+                <p:cNvPr id="65" name="Rectangle 64"/>
+                <p:cNvSpPr/>
+                <p:nvPr/>
+              </p:nvSpPr>
+              <p:spPr>
+                <a:xfrm>
+                  <a:off x="3020938" y="2420888"/>
+                  <a:ext cx="432048" cy="432048"/>
+                </a:xfrm>
+                <a:prstGeom prst="rect">
+                  <a:avLst/>
+                </a:prstGeom>
+                <a:solidFill>
+                  <a:schemeClr val="bg1"/>
+                </a:solidFill>
+                <a:ln w="28575">
+                  <a:solidFill>
+                    <a:schemeClr val="tx1"/>
+                  </a:solidFill>
+                </a:ln>
+              </p:spPr>
+              <p:style>
+                <a:lnRef idx="2">
+                  <a:schemeClr val="accent1">
+                    <a:shade val="50000"/>
+                  </a:schemeClr>
+                </a:lnRef>
+                <a:fillRef idx="1">
+                  <a:schemeClr val="accent1"/>
+                </a:fillRef>
+                <a:effectRef idx="0">
+                  <a:schemeClr val="accent1"/>
+                </a:effectRef>
+                <a:fontRef idx="minor">
+                  <a:schemeClr val="lt1"/>
+                </a:fontRef>
+              </p:style>
+              <p:txBody>
+                <a:bodyPr rtlCol="0" anchor="ctr"/>
+                <a:lstStyle/>
+                <a:p>
+                  <a:pPr algn="ctr"/>
+                  <a:endParaRPr lang="en-US" dirty="0"/>
+                </a:p>
+              </p:txBody>
+            </p:sp>
+            <p:cxnSp>
+              <p:nvCxnSpPr>
+                <p:cNvPr id="70" name="Straight Connector 69"/>
+                <p:cNvCxnSpPr/>
+                <p:nvPr/>
+              </p:nvCxnSpPr>
+              <p:spPr>
+                <a:xfrm>
+                  <a:off x="3236962" y="1876599"/>
+                  <a:ext cx="0" cy="544289"/>
+                </a:xfrm>
+                <a:prstGeom prst="line">
+                  <a:avLst/>
+                </a:prstGeom>
+                <a:ln w="28575">
+                  <a:solidFill>
+                    <a:schemeClr val="tx1"/>
+                  </a:solidFill>
+                </a:ln>
+              </p:spPr>
+              <p:style>
+                <a:lnRef idx="1">
+                  <a:schemeClr val="accent1"/>
+                </a:lnRef>
+                <a:fillRef idx="0">
+                  <a:schemeClr val="accent1"/>
+                </a:fillRef>
+                <a:effectRef idx="0">
+                  <a:schemeClr val="accent1"/>
+                </a:effectRef>
+                <a:fontRef idx="minor">
+                  <a:schemeClr val="tx1"/>
+                </a:fontRef>
+              </p:style>
+            </p:cxnSp>
+            <p:cxnSp>
+              <p:nvCxnSpPr>
+                <p:cNvPr id="71" name="Straight Connector 70"/>
+                <p:cNvCxnSpPr/>
+                <p:nvPr/>
+              </p:nvCxnSpPr>
+              <p:spPr>
+                <a:xfrm>
+                  <a:off x="3236962" y="2852936"/>
+                  <a:ext cx="0" cy="544289"/>
+                </a:xfrm>
+                <a:prstGeom prst="line">
+                  <a:avLst/>
+                </a:prstGeom>
+                <a:ln w="28575">
+                  <a:solidFill>
+                    <a:schemeClr val="tx1"/>
+                  </a:solidFill>
+                </a:ln>
+              </p:spPr>
+              <p:style>
+                <a:lnRef idx="1">
+                  <a:schemeClr val="accent1"/>
+                </a:lnRef>
+                <a:fillRef idx="0">
+                  <a:schemeClr val="accent1"/>
+                </a:fillRef>
+                <a:effectRef idx="0">
+                  <a:schemeClr val="accent1"/>
+                </a:effectRef>
+                <a:fontRef idx="minor">
+                  <a:schemeClr val="tx1"/>
+                </a:fontRef>
+              </p:style>
+            </p:cxnSp>
+            <mc:AlternateContent xmlns:mc="http://schemas.openxmlformats.org/markup-compatibility/2006" xmlns:a14="http://schemas.microsoft.com/office/drawing/2010/main">
+              <mc:Choice Requires="a14">
+                <p:sp>
+                  <p:nvSpPr>
+                    <p:cNvPr id="72" name="Rectangle 71"/>
+                    <p:cNvSpPr/>
+                    <p:nvPr/>
+                  </p:nvSpPr>
+                  <p:spPr>
+                    <a:xfrm>
+                      <a:off x="2737415" y="3003610"/>
+                      <a:ext cx="478528" cy="369332"/>
+                    </a:xfrm>
+                    <a:prstGeom prst="rect">
+                      <a:avLst/>
+                    </a:prstGeom>
+                    <a:ln>
+                      <a:noFill/>
+                    </a:ln>
+                  </p:spPr>
+                  <p:txBody>
+                    <a:bodyPr wrap="none">
+                      <a:spAutoFit/>
+                    </a:bodyPr>
+                    <a:lstStyle/>
+                    <a:p>
+                      <a:pPr/>
+                      <a14:m>
+                        <m:oMathPara xmlns:m="http://schemas.openxmlformats.org/officeDocument/2006/math">
+                          <m:oMathParaPr>
+                            <m:jc m:val="centerGroup"/>
+                          </m:oMathParaPr>
+                          <m:oMath xmlns:m="http://schemas.openxmlformats.org/officeDocument/2006/math">
+                            <m:sSub>
+                              <m:sSubPr>
+                                <m:ctrlPr>
+                                  <a:rPr lang="en-US" i="1" smtClean="0">
+                                    <a:latin typeface="Cambria Math" charset="0"/>
+                                  </a:rPr>
+                                </m:ctrlPr>
+                              </m:sSubPr>
+                              <m:e>
+                                <m:r>
+                                  <a:rPr lang="en-US" b="0" i="1" smtClean="0">
+                                    <a:latin typeface="Cambria Math" charset="0"/>
+                                  </a:rPr>
+                                  <m:t>𝑋</m:t>
+                                </m:r>
+                              </m:e>
+                              <m:sub>
+                                <m:r>
+                                  <a:rPr lang="en-US" b="0" i="1" smtClean="0">
+                                    <a:latin typeface="Cambria Math" charset="0"/>
+                                  </a:rPr>
+                                  <m:t>1</m:t>
+                                </m:r>
+                              </m:sub>
+                            </m:sSub>
+                          </m:oMath>
+                        </m:oMathPara>
+                      </a14:m>
+                      <a:endParaRPr lang="en-US" dirty="0"/>
+                    </a:p>
+                  </p:txBody>
+                </p:sp>
+              </mc:Choice>
+              <mc:Fallback xmlns="">
+                <p:sp>
+                  <p:nvSpPr>
+                    <p:cNvPr id="72" name="Rectangle 71"/>
+                    <p:cNvSpPr>
+                      <a:spLocks noRot="1" noChangeAspect="1" noMove="1" noResize="1" noEditPoints="1" noAdjustHandles="1" noChangeArrowheads="1" noChangeShapeType="1" noTextEdit="1"/>
+                    </p:cNvSpPr>
+                    <p:nvPr/>
+                  </p:nvSpPr>
+                  <p:spPr>
+                    <a:xfrm>
+                      <a:off x="2737415" y="3003610"/>
+                      <a:ext cx="478528" cy="369332"/>
+                    </a:xfrm>
+                    <a:prstGeom prst="rect">
+                      <a:avLst/>
+                    </a:prstGeom>
+                    <a:blipFill rotWithShape="0">
+                      <a:blip r:embed="rId3"/>
+                      <a:stretch>
+                        <a:fillRect/>
+                      </a:stretch>
+                    </a:blipFill>
+                    <a:ln>
+                      <a:noFill/>
+                    </a:ln>
+                  </p:spPr>
+                  <p:txBody>
+                    <a:bodyPr/>
+                    <a:lstStyle/>
+                    <a:p>
+                      <a:r>
+                        <a:rPr lang="en-US">
+                          <a:noFill/>
+                        </a:rPr>
+                        <a:t> </a:t>
+                      </a:r>
+                    </a:p>
+                  </p:txBody>
+                </p:sp>
+              </mc:Fallback>
+            </mc:AlternateContent>
+            <mc:AlternateContent xmlns:mc="http://schemas.openxmlformats.org/markup-compatibility/2006" xmlns:a14="http://schemas.microsoft.com/office/drawing/2010/main">
+              <mc:Choice Requires="a14">
+                <p:sp>
+                  <p:nvSpPr>
+                    <p:cNvPr id="81" name="Rectangle 80"/>
+                    <p:cNvSpPr/>
+                    <p:nvPr/>
+                  </p:nvSpPr>
+                  <p:spPr>
+                    <a:xfrm>
+                      <a:off x="1950979" y="2439918"/>
+                      <a:ext cx="1077154" cy="369332"/>
+                    </a:xfrm>
+                    <a:prstGeom prst="rect">
+                      <a:avLst/>
+                    </a:prstGeom>
+                  </p:spPr>
+                  <p:txBody>
+                    <a:bodyPr wrap="none">
+                      <a:spAutoFit/>
+                    </a:bodyPr>
+                    <a:lstStyle/>
+                    <a:p>
+                      <a:pPr/>
+                      <a14:m>
+                        <m:oMathPara xmlns:m="http://schemas.openxmlformats.org/officeDocument/2006/math">
+                          <m:oMathParaPr>
+                            <m:jc m:val="centerGroup"/>
+                          </m:oMathParaPr>
+                          <m:oMath xmlns:m="http://schemas.openxmlformats.org/officeDocument/2006/math">
+                            <m:r>
+                              <a:rPr lang="en-US" b="0" i="1" smtClean="0">
+                                <a:latin typeface="Cambria Math" charset="0"/>
+                              </a:rPr>
+                              <m:t>𝑝</m:t>
+                            </m:r>
+                            <m:r>
+                              <a:rPr lang="en-US" b="0" i="1" smtClean="0">
+                                <a:latin typeface="Cambria Math" charset="0"/>
+                              </a:rPr>
+                              <m:t>(</m:t>
+                            </m:r>
+                            <m:sSub>
+                              <m:sSubPr>
+                                <m:ctrlPr>
+                                  <a:rPr lang="en-US" b="0" i="1" smtClean="0">
+                                    <a:latin typeface="Cambria Math" charset="0"/>
+                                  </a:rPr>
+                                </m:ctrlPr>
+                              </m:sSubPr>
+                              <m:e>
+                                <m:sSub>
+                                  <m:sSubPr>
+                                    <m:ctrlPr>
+                                      <a:rPr lang="en-US" b="0" i="1" smtClean="0">
+                                        <a:latin typeface="Cambria Math" charset="0"/>
+                                      </a:rPr>
+                                    </m:ctrlPr>
+                                  </m:sSubPr>
+                                  <m:e>
+                                    <m:r>
+                                      <a:rPr lang="en-US" b="0" i="1" smtClean="0">
+                                        <a:latin typeface="Cambria Math" charset="0"/>
+                                      </a:rPr>
+                                      <m:t>𝑥</m:t>
+                                    </m:r>
+                                  </m:e>
+                                  <m:sub>
+                                    <m:r>
+                                      <a:rPr lang="en-US" b="0" i="1" smtClean="0">
+                                        <a:latin typeface="Cambria Math" charset="0"/>
+                                      </a:rPr>
+                                      <m:t>2</m:t>
+                                    </m:r>
+                                  </m:sub>
+                                </m:sSub>
+                                <m:r>
+                                  <a:rPr lang="en-US" b="0" i="1" smtClean="0">
+                                    <a:latin typeface="Cambria Math" charset="0"/>
+                                  </a:rPr>
+                                  <m:t>|</m:t>
+                                </m:r>
+                                <m:r>
+                                  <a:rPr lang="en-US" b="0" i="1" smtClean="0">
+                                    <a:latin typeface="Cambria Math" charset="0"/>
+                                  </a:rPr>
+                                  <m:t>𝑧</m:t>
+                                </m:r>
+                              </m:e>
+                              <m:sub>
+                                <m:r>
+                                  <a:rPr lang="en-US" b="0" i="1" smtClean="0">
+                                    <a:latin typeface="Cambria Math" charset="0"/>
+                                  </a:rPr>
+                                  <m:t>2</m:t>
+                                </m:r>
+                              </m:sub>
+                            </m:sSub>
+                            <m:r>
+                              <a:rPr lang="en-US" b="0" i="1" smtClean="0">
+                                <a:latin typeface="Cambria Math" charset="0"/>
+                              </a:rPr>
+                              <m:t>)</m:t>
+                            </m:r>
+                          </m:oMath>
+                        </m:oMathPara>
+                      </a14:m>
+                      <a:endParaRPr lang="en-US" dirty="0"/>
+                    </a:p>
+                  </p:txBody>
+                </p:sp>
+              </mc:Choice>
+              <mc:Fallback xmlns="">
+                <p:sp>
+                  <p:nvSpPr>
+                    <p:cNvPr id="81" name="Rectangle 80"/>
+                    <p:cNvSpPr>
+                      <a:spLocks noRot="1" noChangeAspect="1" noMove="1" noResize="1" noEditPoints="1" noAdjustHandles="1" noChangeArrowheads="1" noChangeShapeType="1" noTextEdit="1"/>
+                    </p:cNvSpPr>
+                    <p:nvPr/>
+                  </p:nvSpPr>
+                  <p:spPr>
+                    <a:xfrm>
+                      <a:off x="1950979" y="2439918"/>
+                      <a:ext cx="1077154" cy="369332"/>
+                    </a:xfrm>
+                    <a:prstGeom prst="rect">
+                      <a:avLst/>
+                    </a:prstGeom>
+                    <a:blipFill rotWithShape="0">
+                      <a:blip r:embed="rId7"/>
+                      <a:stretch>
+                        <a:fillRect b="-13333"/>
+                      </a:stretch>
+                    </a:blipFill>
+                  </p:spPr>
+                  <p:txBody>
+                    <a:bodyPr/>
+                    <a:lstStyle/>
+                    <a:p>
+                      <a:r>
+                        <a:rPr lang="en-US">
+                          <a:noFill/>
+                        </a:rPr>
+                        <a:t> </a:t>
+                      </a:r>
+                    </a:p>
+                  </p:txBody>
+                </p:sp>
+              </mc:Fallback>
+            </mc:AlternateContent>
+            <mc:AlternateContent xmlns:mc="http://schemas.openxmlformats.org/markup-compatibility/2006" xmlns:a14="http://schemas.microsoft.com/office/drawing/2010/main">
+              <mc:Choice Requires="a14">
+                <p:sp>
+                  <p:nvSpPr>
+                    <p:cNvPr id="82" name="Rectangle 81"/>
+                    <p:cNvSpPr/>
+                    <p:nvPr/>
+                  </p:nvSpPr>
+                  <p:spPr>
+                    <a:xfrm>
+                      <a:off x="2521472" y="1741043"/>
+                      <a:ext cx="469103" cy="369332"/>
+                    </a:xfrm>
+                    <a:prstGeom prst="rect">
+                      <a:avLst/>
+                    </a:prstGeom>
+                    <a:ln>
+                      <a:noFill/>
+                    </a:ln>
+                  </p:spPr>
+                  <p:txBody>
+                    <a:bodyPr wrap="none">
+                      <a:spAutoFit/>
+                    </a:bodyPr>
+                    <a:lstStyle/>
+                    <a:p>
+                      <a:pPr/>
+                      <a14:m>
+                        <m:oMathPara xmlns:m="http://schemas.openxmlformats.org/officeDocument/2006/math">
+                          <m:oMathParaPr>
+                            <m:jc m:val="centerGroup"/>
+                          </m:oMathParaPr>
+                          <m:oMath xmlns:m="http://schemas.openxmlformats.org/officeDocument/2006/math">
+                            <m:sSub>
+                              <m:sSubPr>
+                                <m:ctrlPr>
+                                  <a:rPr lang="en-US" i="1" smtClean="0">
+                                    <a:latin typeface="Cambria Math" charset="0"/>
+                                  </a:rPr>
+                                </m:ctrlPr>
+                              </m:sSubPr>
+                              <m:e>
+                                <m:r>
+                                  <a:rPr lang="en-US" b="0" i="1" smtClean="0">
+                                    <a:latin typeface="Cambria Math" charset="0"/>
+                                  </a:rPr>
+                                  <m:t>𝑍</m:t>
+                                </m:r>
+                              </m:e>
+                              <m:sub>
+                                <m:r>
+                                  <a:rPr lang="en-US" b="0" i="1" smtClean="0">
+                                    <a:latin typeface="Cambria Math" charset="0"/>
+                                  </a:rPr>
+                                  <m:t>1</m:t>
+                                </m:r>
+                              </m:sub>
+                            </m:sSub>
+                          </m:oMath>
+                        </m:oMathPara>
+                      </a14:m>
+                      <a:endParaRPr lang="en-US" dirty="0"/>
+                    </a:p>
+                  </p:txBody>
+                </p:sp>
+              </mc:Choice>
+              <mc:Fallback xmlns="">
+                <p:sp>
+                  <p:nvSpPr>
+                    <p:cNvPr id="82" name="Rectangle 81"/>
+                    <p:cNvSpPr>
+                      <a:spLocks noRot="1" noChangeAspect="1" noMove="1" noResize="1" noEditPoints="1" noAdjustHandles="1" noChangeArrowheads="1" noChangeShapeType="1" noTextEdit="1"/>
+                    </p:cNvSpPr>
+                    <p:nvPr/>
+                  </p:nvSpPr>
+                  <p:spPr>
+                    <a:xfrm>
+                      <a:off x="2521472" y="1741043"/>
+                      <a:ext cx="469103" cy="369332"/>
+                    </a:xfrm>
+                    <a:prstGeom prst="rect">
+                      <a:avLst/>
+                    </a:prstGeom>
+                    <a:blipFill rotWithShape="0">
+                      <a:blip r:embed="rId5"/>
+                      <a:stretch>
+                        <a:fillRect/>
+                      </a:stretch>
+                    </a:blipFill>
+                    <a:ln>
+                      <a:noFill/>
+                    </a:ln>
+                  </p:spPr>
+                  <p:txBody>
+                    <a:bodyPr/>
+                    <a:lstStyle/>
+                    <a:p>
+                      <a:r>
+                        <a:rPr lang="en-US">
+                          <a:noFill/>
+                        </a:rPr>
+                        <a:t> </a:t>
+                      </a:r>
+                    </a:p>
+                  </p:txBody>
+                </p:sp>
+              </mc:Fallback>
+            </mc:AlternateContent>
+          </p:grpSp>
+          <p:grpSp>
+            <p:nvGrpSpPr>
+              <p:cNvPr id="84" name="Group 83"/>
+              <p:cNvGrpSpPr/>
+              <p:nvPr/>
+            </p:nvGrpSpPr>
+            <p:grpSpPr>
+              <a:xfrm>
+                <a:off x="7526932" y="1480471"/>
+                <a:ext cx="1502007" cy="1912441"/>
+                <a:chOff x="1950979" y="1484784"/>
+                <a:chExt cx="1502007" cy="1912441"/>
+              </a:xfrm>
+            </p:grpSpPr>
+            <p:sp>
+              <p:nvSpPr>
+                <p:cNvPr id="85" name="Rectangle 84"/>
+                <p:cNvSpPr/>
+                <p:nvPr/>
+              </p:nvSpPr>
+              <p:spPr>
+                <a:xfrm>
+                  <a:off x="1991544" y="1484784"/>
+                  <a:ext cx="432048" cy="432048"/>
+                </a:xfrm>
+                <a:prstGeom prst="rect">
+                  <a:avLst/>
+                </a:prstGeom>
+                <a:solidFill>
+                  <a:schemeClr val="bg1"/>
+                </a:solidFill>
+                <a:ln w="28575">
+                  <a:solidFill>
+                    <a:schemeClr val="tx1"/>
+                  </a:solidFill>
+                </a:ln>
+              </p:spPr>
+              <p:style>
+                <a:lnRef idx="2">
+                  <a:schemeClr val="accent1">
+                    <a:shade val="50000"/>
+                  </a:schemeClr>
+                </a:lnRef>
+                <a:fillRef idx="1">
+                  <a:schemeClr val="accent1"/>
+                </a:fillRef>
+                <a:effectRef idx="0">
+                  <a:schemeClr val="accent1"/>
+                </a:effectRef>
+                <a:fontRef idx="minor">
+                  <a:schemeClr val="lt1"/>
+                </a:fontRef>
+              </p:style>
+              <p:txBody>
+                <a:bodyPr rtlCol="0" anchor="ctr"/>
+                <a:lstStyle/>
+                <a:p>
+                  <a:pPr algn="ctr"/>
+                  <a:endParaRPr lang="en-US" dirty="0"/>
+                </a:p>
+              </p:txBody>
+            </p:sp>
+            <p:sp>
+              <p:nvSpPr>
+                <p:cNvPr id="91" name="Rectangle 90"/>
+                <p:cNvSpPr/>
+                <p:nvPr/>
+              </p:nvSpPr>
+              <p:spPr>
+                <a:xfrm>
+                  <a:off x="3020938" y="2420888"/>
+                  <a:ext cx="432048" cy="432048"/>
+                </a:xfrm>
+                <a:prstGeom prst="rect">
+                  <a:avLst/>
+                </a:prstGeom>
+                <a:solidFill>
+                  <a:schemeClr val="bg1"/>
+                </a:solidFill>
+                <a:ln w="28575">
+                  <a:solidFill>
+                    <a:schemeClr val="tx1"/>
+                  </a:solidFill>
+                </a:ln>
+              </p:spPr>
+              <p:style>
+                <a:lnRef idx="2">
+                  <a:schemeClr val="accent1">
+                    <a:shade val="50000"/>
+                  </a:schemeClr>
+                </a:lnRef>
+                <a:fillRef idx="1">
+                  <a:schemeClr val="accent1"/>
+                </a:fillRef>
+                <a:effectRef idx="0">
+                  <a:schemeClr val="accent1"/>
+                </a:effectRef>
+                <a:fontRef idx="minor">
+                  <a:schemeClr val="lt1"/>
+                </a:fontRef>
+              </p:style>
+              <p:txBody>
+                <a:bodyPr rtlCol="0" anchor="ctr"/>
+                <a:lstStyle/>
+                <a:p>
+                  <a:pPr algn="ctr"/>
+                  <a:endParaRPr lang="en-US" dirty="0"/>
+                </a:p>
+              </p:txBody>
+            </p:sp>
+            <p:cxnSp>
+              <p:nvCxnSpPr>
+                <p:cNvPr id="93" name="Straight Connector 92"/>
+                <p:cNvCxnSpPr/>
+                <p:nvPr/>
+              </p:nvCxnSpPr>
+              <p:spPr>
+                <a:xfrm>
+                  <a:off x="3236962" y="2852936"/>
+                  <a:ext cx="0" cy="544289"/>
+                </a:xfrm>
+                <a:prstGeom prst="line">
+                  <a:avLst/>
+                </a:prstGeom>
+                <a:ln w="28575">
+                  <a:solidFill>
+                    <a:schemeClr val="tx1"/>
+                  </a:solidFill>
+                </a:ln>
+              </p:spPr>
+              <p:style>
+                <a:lnRef idx="1">
+                  <a:schemeClr val="accent1"/>
+                </a:lnRef>
+                <a:fillRef idx="0">
+                  <a:schemeClr val="accent1"/>
+                </a:fillRef>
+                <a:effectRef idx="0">
+                  <a:schemeClr val="accent1"/>
+                </a:effectRef>
+                <a:fontRef idx="minor">
+                  <a:schemeClr val="tx1"/>
+                </a:fontRef>
+              </p:style>
+            </p:cxnSp>
+            <mc:AlternateContent xmlns:mc="http://schemas.openxmlformats.org/markup-compatibility/2006">
+              <mc:Choice xmlns:a14="http://schemas.microsoft.com/office/drawing/2010/main" Requires="a14">
+                <p:sp>
+                  <p:nvSpPr>
+                    <p:cNvPr id="94" name="Rectangle 93"/>
+                    <p:cNvSpPr/>
+                    <p:nvPr/>
+                  </p:nvSpPr>
+                  <p:spPr>
+                    <a:xfrm>
+                      <a:off x="2740267" y="2947941"/>
+                      <a:ext cx="503535" cy="369332"/>
+                    </a:xfrm>
+                    <a:prstGeom prst="rect">
+                      <a:avLst/>
+                    </a:prstGeom>
+                    <a:ln>
+                      <a:noFill/>
+                    </a:ln>
+                  </p:spPr>
+                  <p:txBody>
+                    <a:bodyPr wrap="none">
+                      <a:spAutoFit/>
+                    </a:bodyPr>
+                    <a:lstStyle/>
+                    <a:p>
+                      <a:pPr/>
+                      <a14:m>
+                        <m:oMathPara xmlns:m="http://schemas.openxmlformats.org/officeDocument/2006/math">
+                          <m:oMathParaPr>
+                            <m:jc m:val="centerGroup"/>
+                          </m:oMathParaPr>
+                          <m:oMath xmlns:m="http://schemas.openxmlformats.org/officeDocument/2006/math">
+                            <m:sSub>
+                              <m:sSubPr>
+                                <m:ctrlPr>
+                                  <a:rPr lang="en-US" i="1" smtClean="0">
+                                    <a:latin typeface="Cambria Math" charset="0"/>
+                                  </a:rPr>
+                                </m:ctrlPr>
+                              </m:sSubPr>
+                              <m:e>
+                                <m:r>
+                                  <a:rPr lang="en-US" b="0" i="1" smtClean="0">
+                                    <a:latin typeface="Cambria Math" charset="0"/>
+                                  </a:rPr>
+                                  <m:t>𝑋</m:t>
+                                </m:r>
+                              </m:e>
+                              <m:sub>
+                                <m:r>
+                                  <a:rPr lang="en-US" b="0" i="1" smtClean="0">
+                                    <a:latin typeface="Cambria Math" charset="0"/>
+                                  </a:rPr>
+                                  <m:t>𝑇</m:t>
+                                </m:r>
+                              </m:sub>
+                            </m:sSub>
+                          </m:oMath>
+                        </m:oMathPara>
+                      </a14:m>
+                      <a:endParaRPr lang="en-US" dirty="0"/>
+                    </a:p>
+                  </p:txBody>
+                </p:sp>
+              </mc:Choice>
+              <mc:Fallback>
+                <p:sp>
+                  <p:nvSpPr>
+                    <p:cNvPr id="94" name="Rectangle 93"/>
+                    <p:cNvSpPr>
+                      <a:spLocks noRot="1" noChangeAspect="1" noMove="1" noResize="1" noEditPoints="1" noAdjustHandles="1" noChangeArrowheads="1" noChangeShapeType="1" noTextEdit="1"/>
+                    </p:cNvSpPr>
+                    <p:nvPr/>
+                  </p:nvSpPr>
+                  <p:spPr>
+                    <a:xfrm>
+                      <a:off x="2740267" y="2947941"/>
+                      <a:ext cx="503535" cy="369332"/>
+                    </a:xfrm>
+                    <a:prstGeom prst="rect">
+                      <a:avLst/>
+                    </a:prstGeom>
+                    <a:blipFill rotWithShape="0">
+                      <a:blip r:embed="rId8"/>
+                      <a:stretch>
+                        <a:fillRect/>
+                      </a:stretch>
+                    </a:blipFill>
+                    <a:ln>
+                      <a:noFill/>
+                    </a:ln>
+                  </p:spPr>
+                  <p:txBody>
+                    <a:bodyPr/>
+                    <a:lstStyle/>
+                    <a:p>
+                      <a:r>
+                        <a:rPr lang="en-US">
+                          <a:noFill/>
+                        </a:rPr>
+                        <a:t> </a:t>
+                      </a:r>
+                    </a:p>
+                  </p:txBody>
+                </p:sp>
+              </mc:Fallback>
+            </mc:AlternateContent>
+            <mc:AlternateContent xmlns:mc="http://schemas.openxmlformats.org/markup-compatibility/2006">
+              <mc:Choice xmlns:a14="http://schemas.microsoft.com/office/drawing/2010/main" Requires="a14">
+                <p:sp>
+                  <p:nvSpPr>
+                    <p:cNvPr id="103" name="Rectangle 102"/>
+                    <p:cNvSpPr/>
+                    <p:nvPr/>
+                  </p:nvSpPr>
+                  <p:spPr>
+                    <a:xfrm>
+                      <a:off x="1950979" y="2439918"/>
+                      <a:ext cx="1160189" cy="369332"/>
+                    </a:xfrm>
+                    <a:prstGeom prst="rect">
+                      <a:avLst/>
+                    </a:prstGeom>
+                  </p:spPr>
+                  <p:txBody>
+                    <a:bodyPr wrap="none">
+                      <a:spAutoFit/>
+                    </a:bodyPr>
+                    <a:lstStyle/>
+                    <a:p>
+                      <a:pPr/>
+                      <a14:m>
+                        <m:oMathPara xmlns:m="http://schemas.openxmlformats.org/officeDocument/2006/math">
+                          <m:oMathParaPr>
+                            <m:jc m:val="centerGroup"/>
+                          </m:oMathParaPr>
+                          <m:oMath xmlns:m="http://schemas.openxmlformats.org/officeDocument/2006/math">
+                            <m:r>
+                              <a:rPr lang="en-US" b="0" i="1" smtClean="0">
+                                <a:latin typeface="Cambria Math" charset="0"/>
+                              </a:rPr>
+                              <m:t>𝑝</m:t>
+                            </m:r>
+                            <m:r>
+                              <a:rPr lang="en-US" b="0" i="1" smtClean="0">
+                                <a:latin typeface="Cambria Math" charset="0"/>
+                              </a:rPr>
+                              <m:t>(</m:t>
+                            </m:r>
+                            <m:sSub>
+                              <m:sSubPr>
+                                <m:ctrlPr>
+                                  <a:rPr lang="en-US" b="0" i="1" smtClean="0">
+                                    <a:latin typeface="Cambria Math" charset="0"/>
+                                  </a:rPr>
+                                </m:ctrlPr>
+                              </m:sSubPr>
+                              <m:e>
+                                <m:sSub>
+                                  <m:sSubPr>
+                                    <m:ctrlPr>
+                                      <a:rPr lang="en-US" b="0" i="1" smtClean="0">
+                                        <a:latin typeface="Cambria Math" charset="0"/>
+                                      </a:rPr>
+                                    </m:ctrlPr>
+                                  </m:sSubPr>
+                                  <m:e>
+                                    <m:r>
+                                      <a:rPr lang="en-US" b="0" i="1" smtClean="0">
+                                        <a:latin typeface="Cambria Math" charset="0"/>
+                                      </a:rPr>
+                                      <m:t>𝑥</m:t>
+                                    </m:r>
+                                  </m:e>
+                                  <m:sub>
+                                    <m:r>
+                                      <a:rPr lang="en-US" b="0" i="1" smtClean="0">
+                                        <a:latin typeface="Cambria Math" charset="0"/>
+                                      </a:rPr>
+                                      <m:t>𝑇</m:t>
+                                    </m:r>
+                                  </m:sub>
+                                </m:sSub>
+                                <m:r>
+                                  <a:rPr lang="en-US" b="0" i="1" smtClean="0">
+                                    <a:latin typeface="Cambria Math" charset="0"/>
+                                  </a:rPr>
+                                  <m:t>|</m:t>
+                                </m:r>
+                                <m:r>
+                                  <a:rPr lang="en-US" b="0" i="1" smtClean="0">
+                                    <a:latin typeface="Cambria Math" charset="0"/>
+                                  </a:rPr>
+                                  <m:t>𝑧</m:t>
+                                </m:r>
+                              </m:e>
+                              <m:sub>
+                                <m:r>
+                                  <a:rPr lang="en-US" b="0" i="1" smtClean="0">
+                                    <a:latin typeface="Cambria Math" charset="0"/>
+                                  </a:rPr>
+                                  <m:t>𝑇</m:t>
+                                </m:r>
+                              </m:sub>
+                            </m:sSub>
+                            <m:r>
+                              <a:rPr lang="en-US" b="0" i="1" smtClean="0">
+                                <a:latin typeface="Cambria Math" charset="0"/>
+                              </a:rPr>
+                              <m:t>)</m:t>
+                            </m:r>
+                          </m:oMath>
+                        </m:oMathPara>
+                      </a14:m>
+                      <a:endParaRPr lang="en-US" dirty="0"/>
+                    </a:p>
+                  </p:txBody>
+                </p:sp>
+              </mc:Choice>
+              <mc:Fallback>
+                <p:sp>
+                  <p:nvSpPr>
+                    <p:cNvPr id="103" name="Rectangle 102"/>
+                    <p:cNvSpPr>
+                      <a:spLocks noRot="1" noChangeAspect="1" noMove="1" noResize="1" noEditPoints="1" noAdjustHandles="1" noChangeArrowheads="1" noChangeShapeType="1" noTextEdit="1"/>
+                    </p:cNvSpPr>
+                    <p:nvPr/>
+                  </p:nvSpPr>
+                  <p:spPr>
+                    <a:xfrm>
+                      <a:off x="1950979" y="2439918"/>
+                      <a:ext cx="1160189" cy="369332"/>
+                    </a:xfrm>
+                    <a:prstGeom prst="rect">
+                      <a:avLst/>
+                    </a:prstGeom>
+                    <a:blipFill rotWithShape="0">
+                      <a:blip r:embed="rId9"/>
+                      <a:stretch>
+                        <a:fillRect b="-13333"/>
+                      </a:stretch>
+                    </a:blipFill>
+                  </p:spPr>
+                  <p:txBody>
+                    <a:bodyPr/>
+                    <a:lstStyle/>
+                    <a:p>
+                      <a:r>
+                        <a:rPr lang="en-US">
+                          <a:noFill/>
+                        </a:rPr>
+                        <a:t> </a:t>
+                      </a:r>
+                    </a:p>
+                  </p:txBody>
+                </p:sp>
+              </mc:Fallback>
+            </mc:AlternateContent>
+            <mc:AlternateContent xmlns:mc="http://schemas.openxmlformats.org/markup-compatibility/2006">
+              <mc:Choice xmlns:a14="http://schemas.microsoft.com/office/drawing/2010/main" Requires="a14">
+                <p:sp>
+                  <p:nvSpPr>
+                    <p:cNvPr id="104" name="Rectangle 103"/>
+                    <p:cNvSpPr/>
+                    <p:nvPr/>
+                  </p:nvSpPr>
+                  <p:spPr>
+                    <a:xfrm>
+                      <a:off x="2542476" y="1732166"/>
+                      <a:ext cx="494110" cy="369332"/>
+                    </a:xfrm>
+                    <a:prstGeom prst="rect">
+                      <a:avLst/>
+                    </a:prstGeom>
+                    <a:ln>
+                      <a:noFill/>
+                    </a:ln>
+                  </p:spPr>
+                  <p:txBody>
+                    <a:bodyPr wrap="none">
+                      <a:spAutoFit/>
+                    </a:bodyPr>
+                    <a:lstStyle/>
+                    <a:p>
+                      <a:pPr/>
+                      <a14:m>
+                        <m:oMathPara xmlns:m="http://schemas.openxmlformats.org/officeDocument/2006/math">
+                          <m:oMathParaPr>
+                            <m:jc m:val="centerGroup"/>
+                          </m:oMathParaPr>
+                          <m:oMath xmlns:m="http://schemas.openxmlformats.org/officeDocument/2006/math">
+                            <m:sSub>
+                              <m:sSubPr>
+                                <m:ctrlPr>
+                                  <a:rPr lang="en-US" i="1" smtClean="0">
+                                    <a:latin typeface="Cambria Math" charset="0"/>
+                                  </a:rPr>
+                                </m:ctrlPr>
+                              </m:sSubPr>
+                              <m:e>
+                                <m:r>
+                                  <a:rPr lang="en-US" b="0" i="1" smtClean="0">
+                                    <a:latin typeface="Cambria Math" charset="0"/>
+                                  </a:rPr>
+                                  <m:t>𝑍</m:t>
+                                </m:r>
+                              </m:e>
+                              <m:sub>
+                                <m:r>
+                                  <a:rPr lang="en-US" b="0" i="1" smtClean="0">
+                                    <a:latin typeface="Cambria Math" charset="0"/>
+                                  </a:rPr>
+                                  <m:t>𝑇</m:t>
+                                </m:r>
+                              </m:sub>
+                            </m:sSub>
+                          </m:oMath>
+                        </m:oMathPara>
+                      </a14:m>
+                      <a:endParaRPr lang="en-US" dirty="0"/>
+                    </a:p>
+                  </p:txBody>
+                </p:sp>
+              </mc:Choice>
+              <mc:Fallback>
+                <p:sp>
+                  <p:nvSpPr>
+                    <p:cNvPr id="104" name="Rectangle 103"/>
+                    <p:cNvSpPr>
+                      <a:spLocks noRot="1" noChangeAspect="1" noMove="1" noResize="1" noEditPoints="1" noAdjustHandles="1" noChangeArrowheads="1" noChangeShapeType="1" noTextEdit="1"/>
+                    </p:cNvSpPr>
+                    <p:nvPr/>
+                  </p:nvSpPr>
+                  <p:spPr>
+                    <a:xfrm>
+                      <a:off x="2542476" y="1732166"/>
+                      <a:ext cx="494110" cy="369332"/>
+                    </a:xfrm>
+                    <a:prstGeom prst="rect">
+                      <a:avLst/>
+                    </a:prstGeom>
+                    <a:blipFill rotWithShape="0">
+                      <a:blip r:embed="rId10"/>
+                      <a:stretch>
+                        <a:fillRect/>
+                      </a:stretch>
+                    </a:blipFill>
+                    <a:ln>
+                      <a:noFill/>
+                    </a:ln>
+                  </p:spPr>
+                  <p:txBody>
+                    <a:bodyPr/>
+                    <a:lstStyle/>
+                    <a:p>
+                      <a:r>
+                        <a:rPr lang="en-US">
+                          <a:noFill/>
+                        </a:rPr>
+                        <a:t> </a:t>
+                      </a:r>
+                    </a:p>
+                  </p:txBody>
+                </p:sp>
+              </mc:Fallback>
+            </mc:AlternateContent>
+          </p:grpSp>
+          <p:cxnSp>
+            <p:nvCxnSpPr>
+              <p:cNvPr id="106" name="Straight Connector 105"/>
+              <p:cNvCxnSpPr/>
+              <p:nvPr/>
+            </p:nvCxnSpPr>
             <p:spPr>
               <a:xfrm>
-                <a:off x="1991544" y="1484784"/>
-                <a:ext cx="432048" cy="432048"/>
+                <a:off x="6934147" y="1690350"/>
+                <a:ext cx="633350" cy="0"/>
               </a:xfrm>
-              <a:prstGeom prst="rect">
+              <a:prstGeom prst="line">
                 <a:avLst/>
               </a:prstGeom>
-              <a:solidFill>
-                <a:schemeClr val="bg1"/>
-              </a:solidFill>
               <a:ln w="28575">
                 <a:solidFill>
                   <a:schemeClr val="tx1"/>
@@ -3021,42 +5200,68 @@
               </a:ln>
             </p:spPr>
             <p:style>
-              <a:lnRef idx="2">
-                <a:schemeClr val="accent1">
-                  <a:shade val="50000"/>
-                </a:schemeClr>
+              <a:lnRef idx="1">
+                <a:schemeClr val="accent1"/>
               </a:lnRef>
-              <a:fillRef idx="1">
+              <a:fillRef idx="0">
                 <a:schemeClr val="accent1"/>
               </a:fillRef>
               <a:effectRef idx="0">
                 <a:schemeClr val="accent1"/>
               </a:effectRef>
               <a:fontRef idx="minor">
-                <a:schemeClr val="lt1"/>
+                <a:schemeClr val="tx1"/>
               </a:fontRef>
             </p:style>
-            <p:txBody>
-              <a:bodyPr rtlCol="0" anchor="ctr"/>
-              <a:lstStyle/>
-              <a:p>
-                <a:pPr algn="ctr"/>
-                <a:endParaRPr lang="en-US" dirty="0"/>
-              </a:p>
-            </p:txBody>
-          </p:sp>
-          <mc:AlternateContent xmlns:mc="http://schemas.openxmlformats.org/markup-compatibility/2006" xmlns:a14="http://schemas.microsoft.com/office/drawing/2010/main">
-            <mc:Choice Requires="a14">
+          </p:cxnSp>
+          <p:cxnSp>
+            <p:nvCxnSpPr>
+              <p:cNvPr id="107" name="Straight Connector 106"/>
+              <p:cNvCxnSpPr/>
+              <p:nvPr/>
+            </p:nvCxnSpPr>
+            <p:spPr>
+              <a:xfrm>
+                <a:off x="6240016" y="1696494"/>
+                <a:ext cx="633350" cy="0"/>
+              </a:xfrm>
+              <a:prstGeom prst="line">
+                <a:avLst/>
+              </a:prstGeom>
+              <a:ln w="28575">
+                <a:solidFill>
+                  <a:schemeClr val="tx1"/>
+                </a:solidFill>
+                <a:prstDash val="dash"/>
+              </a:ln>
+            </p:spPr>
+            <p:style>
+              <a:lnRef idx="1">
+                <a:schemeClr val="accent1"/>
+              </a:lnRef>
+              <a:fillRef idx="0">
+                <a:schemeClr val="accent1"/>
+              </a:fillRef>
+              <a:effectRef idx="0">
+                <a:schemeClr val="accent1"/>
+              </a:effectRef>
+              <a:fontRef idx="minor">
+                <a:schemeClr val="tx1"/>
+              </a:fontRef>
+            </p:style>
+          </p:cxnSp>
+          <mc:AlternateContent xmlns:mc="http://schemas.openxmlformats.org/markup-compatibility/2006">
+            <mc:Choice xmlns:a14="http://schemas.microsoft.com/office/drawing/2010/main" Requires="a14">
               <p:sp>
                 <p:nvSpPr>
-                  <p:cNvPr id="5" name="Rectangle 4"/>
+                  <p:cNvPr id="108" name="Rectangle 107"/>
                   <p:cNvSpPr/>
                   <p:nvPr/>
                 </p:nvSpPr>
                 <p:spPr>
                   <a:xfrm>
-                    <a:off x="1606759" y="1063454"/>
-                    <a:ext cx="769570" cy="369332"/>
+                    <a:off x="6975796" y="1059475"/>
+                    <a:ext cx="1321516" cy="369332"/>
                   </a:xfrm>
                   <a:prstGeom prst="rect">
                     <a:avLst/>
@@ -3108,826 +5313,7 @@
                                 <a:rPr lang="en-US" b="0" i="1" smtClean="0">
                                   <a:latin typeface="Cambria Math" charset="0"/>
                                 </a:rPr>
-                                <m:t>1</m:t>
-                              </m:r>
-                            </m:sub>
-                          </m:sSub>
-                          <m:r>
-                            <a:rPr lang="en-US" b="0" i="1" smtClean="0">
-                              <a:latin typeface="Cambria Math" charset="0"/>
-                            </a:rPr>
-                            <m:t>)</m:t>
-                          </m:r>
-                        </m:oMath>
-                      </m:oMathPara>
-                    </a14:m>
-                    <a:endParaRPr lang="en-US" dirty="0"/>
-                  </a:p>
-                </p:txBody>
-              </p:sp>
-            </mc:Choice>
-            <mc:Fallback xmlns="">
-              <p:sp>
-                <p:nvSpPr>
-                  <p:cNvPr id="5" name="Rectangle 4"/>
-                  <p:cNvSpPr>
-                    <a:spLocks noRot="1" noChangeAspect="1" noMove="1" noResize="1" noEditPoints="1" noAdjustHandles="1" noChangeArrowheads="1" noChangeShapeType="1" noTextEdit="1"/>
-                  </p:cNvSpPr>
-                  <p:nvPr/>
-                </p:nvSpPr>
-                <p:spPr>
-                  <a:xfrm>
-                    <a:off x="1606759" y="1063454"/>
-                    <a:ext cx="769570" cy="369332"/>
-                  </a:xfrm>
-                  <a:prstGeom prst="rect">
-                    <a:avLst/>
-                  </a:prstGeom>
-                  <a:blipFill rotWithShape="0">
-                    <a:blip r:embed="rId2"/>
-                    <a:stretch>
-                      <a:fillRect b="-13115"/>
-                    </a:stretch>
-                  </a:blipFill>
-                </p:spPr>
-                <p:txBody>
-                  <a:bodyPr/>
-                  <a:lstStyle/>
-                  <a:p>
-                    <a:r>
-                      <a:rPr lang="en-US">
-                        <a:noFill/>
-                      </a:rPr>
-                      <a:t> </a:t>
-                    </a:r>
-                  </a:p>
-                </p:txBody>
-              </p:sp>
-            </mc:Fallback>
-          </mc:AlternateContent>
-          <p:sp>
-            <p:nvSpPr>
-              <p:cNvPr id="7" name="Rectangle 6"/>
-              <p:cNvSpPr/>
-              <p:nvPr/>
-            </p:nvSpPr>
-            <p:spPr>
-              <a:xfrm>
-                <a:off x="3056942" y="1525017"/>
-                <a:ext cx="360040" cy="351583"/>
-              </a:xfrm>
-              <a:prstGeom prst="rect">
-                <a:avLst/>
-              </a:prstGeom>
-              <a:solidFill>
-                <a:schemeClr val="bg1"/>
-              </a:solidFill>
-              <a:ln w="28575">
-                <a:solidFill>
-                  <a:schemeClr val="tx1"/>
-                </a:solidFill>
-              </a:ln>
-            </p:spPr>
-            <p:style>
-              <a:lnRef idx="2">
-                <a:schemeClr val="accent1">
-                  <a:shade val="50000"/>
-                </a:schemeClr>
-              </a:lnRef>
-              <a:fillRef idx="1">
-                <a:schemeClr val="accent1"/>
-              </a:fillRef>
-              <a:effectRef idx="0">
-                <a:schemeClr val="accent1"/>
-              </a:effectRef>
-              <a:fontRef idx="minor">
-                <a:schemeClr val="lt1"/>
-              </a:fontRef>
-            </p:style>
-            <p:txBody>
-              <a:bodyPr rtlCol="0" anchor="ctr"/>
-              <a:lstStyle/>
-              <a:p>
-                <a:pPr algn="ctr"/>
-                <a:endParaRPr lang="en-US" dirty="0"/>
-              </a:p>
-            </p:txBody>
-          </p:sp>
-          <p:sp>
-            <p:nvSpPr>
-              <p:cNvPr id="8" name="TextBox 7"/>
-              <p:cNvSpPr txBox="1"/>
-              <p:nvPr/>
-            </p:nvSpPr>
-            <p:spPr>
-              <a:xfrm>
-                <a:off x="3080380" y="1469975"/>
-                <a:ext cx="432048" cy="461665"/>
-              </a:xfrm>
-              <a:prstGeom prst="rect">
-                <a:avLst/>
-              </a:prstGeom>
-              <a:noFill/>
-              <a:ln>
-                <a:noFill/>
-              </a:ln>
-            </p:spPr>
-            <p:txBody>
-              <a:bodyPr wrap="square" rtlCol="0">
-                <a:spAutoFit/>
-              </a:bodyPr>
-              <a:lstStyle/>
-              <a:p>
-                <a:r>
-                  <a:rPr lang="en-US" sz="2400" dirty="0" smtClean="0"/>
-                  <a:t>=</a:t>
-                </a:r>
-                <a:endParaRPr lang="en-US" sz="2400" dirty="0"/>
-              </a:p>
-            </p:txBody>
-          </p:sp>
-          <p:cxnSp>
-            <p:nvCxnSpPr>
-              <p:cNvPr id="10" name="Straight Connector 9"/>
-              <p:cNvCxnSpPr/>
-              <p:nvPr/>
-            </p:nvCxnSpPr>
-            <p:spPr>
-              <a:xfrm>
-                <a:off x="2423592" y="1700808"/>
-                <a:ext cx="633350" cy="1"/>
-              </a:xfrm>
-              <a:prstGeom prst="line">
-                <a:avLst/>
-              </a:prstGeom>
-              <a:ln w="28575">
-                <a:solidFill>
-                  <a:schemeClr val="tx1"/>
-                </a:solidFill>
-              </a:ln>
-            </p:spPr>
-            <p:style>
-              <a:lnRef idx="1">
-                <a:schemeClr val="accent1"/>
-              </a:lnRef>
-              <a:fillRef idx="0">
-                <a:schemeClr val="accent1"/>
-              </a:fillRef>
-              <a:effectRef idx="0">
-                <a:schemeClr val="accent1"/>
-              </a:effectRef>
-              <a:fontRef idx="minor">
-                <a:schemeClr val="tx1"/>
-              </a:fontRef>
-            </p:style>
-          </p:cxnSp>
-          <p:cxnSp>
-            <p:nvCxnSpPr>
-              <p:cNvPr id="12" name="Straight Connector 11"/>
-              <p:cNvCxnSpPr/>
-              <p:nvPr/>
-            </p:nvCxnSpPr>
-            <p:spPr>
-              <a:xfrm>
-                <a:off x="3416982" y="1700808"/>
-                <a:ext cx="633350" cy="0"/>
-              </a:xfrm>
-              <a:prstGeom prst="line">
-                <a:avLst/>
-              </a:prstGeom>
-              <a:ln w="28575">
-                <a:solidFill>
-                  <a:schemeClr val="tx1"/>
-                </a:solidFill>
-              </a:ln>
-            </p:spPr>
-            <p:style>
-              <a:lnRef idx="1">
-                <a:schemeClr val="accent1"/>
-              </a:lnRef>
-              <a:fillRef idx="0">
-                <a:schemeClr val="accent1"/>
-              </a:fillRef>
-              <a:effectRef idx="0">
-                <a:schemeClr val="accent1"/>
-              </a:effectRef>
-              <a:fontRef idx="minor">
-                <a:schemeClr val="tx1"/>
-              </a:fontRef>
-            </p:style>
-          </p:cxnSp>
-          <p:sp>
-            <p:nvSpPr>
-              <p:cNvPr id="13" name="Rectangle 12"/>
-              <p:cNvSpPr/>
-              <p:nvPr/>
-            </p:nvSpPr>
-            <p:spPr>
-              <a:xfrm>
-                <a:off x="3020938" y="2420888"/>
-                <a:ext cx="432048" cy="432048"/>
-              </a:xfrm>
-              <a:prstGeom prst="rect">
-                <a:avLst/>
-              </a:prstGeom>
-              <a:solidFill>
-                <a:schemeClr val="bg1"/>
-              </a:solidFill>
-              <a:ln w="28575">
-                <a:solidFill>
-                  <a:schemeClr val="tx1"/>
-                </a:solidFill>
-              </a:ln>
-            </p:spPr>
-            <p:style>
-              <a:lnRef idx="2">
-                <a:schemeClr val="accent1">
-                  <a:shade val="50000"/>
-                </a:schemeClr>
-              </a:lnRef>
-              <a:fillRef idx="1">
-                <a:schemeClr val="accent1"/>
-              </a:fillRef>
-              <a:effectRef idx="0">
-                <a:schemeClr val="accent1"/>
-              </a:effectRef>
-              <a:fontRef idx="minor">
-                <a:schemeClr val="lt1"/>
-              </a:fontRef>
-            </p:style>
-            <p:txBody>
-              <a:bodyPr rtlCol="0" anchor="ctr"/>
-              <a:lstStyle/>
-              <a:p>
-                <a:pPr algn="ctr"/>
-                <a:endParaRPr lang="en-US" dirty="0"/>
-              </a:p>
-            </p:txBody>
-          </p:sp>
-          <p:cxnSp>
-            <p:nvCxnSpPr>
-              <p:cNvPr id="19" name="Straight Connector 18"/>
-              <p:cNvCxnSpPr/>
-              <p:nvPr/>
-            </p:nvCxnSpPr>
-            <p:spPr>
-              <a:xfrm>
-                <a:off x="3236962" y="1876599"/>
-                <a:ext cx="0" cy="544289"/>
-              </a:xfrm>
-              <a:prstGeom prst="line">
-                <a:avLst/>
-              </a:prstGeom>
-              <a:ln w="28575">
-                <a:solidFill>
-                  <a:schemeClr val="tx1"/>
-                </a:solidFill>
-              </a:ln>
-            </p:spPr>
-            <p:style>
-              <a:lnRef idx="1">
-                <a:schemeClr val="accent1"/>
-              </a:lnRef>
-              <a:fillRef idx="0">
-                <a:schemeClr val="accent1"/>
-              </a:fillRef>
-              <a:effectRef idx="0">
-                <a:schemeClr val="accent1"/>
-              </a:effectRef>
-              <a:fontRef idx="minor">
-                <a:schemeClr val="tx1"/>
-              </a:fontRef>
-            </p:style>
-          </p:cxnSp>
-          <p:cxnSp>
-            <p:nvCxnSpPr>
-              <p:cNvPr id="21" name="Straight Connector 20"/>
-              <p:cNvCxnSpPr/>
-              <p:nvPr/>
-            </p:nvCxnSpPr>
-            <p:spPr>
-              <a:xfrm>
-                <a:off x="3236962" y="2852936"/>
-                <a:ext cx="0" cy="544289"/>
-              </a:xfrm>
-              <a:prstGeom prst="line">
-                <a:avLst/>
-              </a:prstGeom>
-              <a:ln w="28575">
-                <a:solidFill>
-                  <a:schemeClr val="tx1"/>
-                </a:solidFill>
-              </a:ln>
-            </p:spPr>
-            <p:style>
-              <a:lnRef idx="1">
-                <a:schemeClr val="accent1"/>
-              </a:lnRef>
-              <a:fillRef idx="0">
-                <a:schemeClr val="accent1"/>
-              </a:fillRef>
-              <a:effectRef idx="0">
-                <a:schemeClr val="accent1"/>
-              </a:effectRef>
-              <a:fontRef idx="minor">
-                <a:schemeClr val="tx1"/>
-              </a:fontRef>
-            </p:style>
-          </p:cxnSp>
-          <mc:AlternateContent xmlns:mc="http://schemas.openxmlformats.org/markup-compatibility/2006" xmlns:a14="http://schemas.microsoft.com/office/drawing/2010/main">
-            <mc:Choice Requires="a14">
-              <p:sp>
-                <p:nvSpPr>
-                  <p:cNvPr id="27" name="Rectangle 26"/>
-                  <p:cNvSpPr/>
-                  <p:nvPr/>
-                </p:nvSpPr>
-                <p:spPr>
-                  <a:xfrm>
-                    <a:off x="2749636" y="2928574"/>
-                    <a:ext cx="478528" cy="369332"/>
-                  </a:xfrm>
-                  <a:prstGeom prst="rect">
-                    <a:avLst/>
-                  </a:prstGeom>
-                  <a:ln>
-                    <a:noFill/>
-                  </a:ln>
-                </p:spPr>
-                <p:txBody>
-                  <a:bodyPr wrap="none">
-                    <a:spAutoFit/>
-                  </a:bodyPr>
-                  <a:lstStyle/>
-                  <a:p>
-                    <a:pPr/>
-                    <a14:m>
-                      <m:oMathPara xmlns:m="http://schemas.openxmlformats.org/officeDocument/2006/math">
-                        <m:oMathParaPr>
-                          <m:jc m:val="centerGroup"/>
-                        </m:oMathParaPr>
-                        <m:oMath xmlns:m="http://schemas.openxmlformats.org/officeDocument/2006/math">
-                          <m:sSub>
-                            <m:sSubPr>
-                              <m:ctrlPr>
-                                <a:rPr lang="en-US" i="1" smtClean="0">
-                                  <a:latin typeface="Cambria Math" charset="0"/>
-                                </a:rPr>
-                              </m:ctrlPr>
-                            </m:sSubPr>
-                            <m:e>
-                              <m:r>
-                                <a:rPr lang="en-US" b="0" i="1" smtClean="0">
-                                  <a:latin typeface="Cambria Math" charset="0"/>
-                                </a:rPr>
-                                <m:t>𝑋</m:t>
-                              </m:r>
-                            </m:e>
-                            <m:sub>
-                              <m:r>
-                                <a:rPr lang="en-US" b="0" i="1" smtClean="0">
-                                  <a:latin typeface="Cambria Math" charset="0"/>
-                                </a:rPr>
-                                <m:t>1</m:t>
-                              </m:r>
-                            </m:sub>
-                          </m:sSub>
-                        </m:oMath>
-                      </m:oMathPara>
-                    </a14:m>
-                    <a:endParaRPr lang="en-US" dirty="0"/>
-                  </a:p>
-                </p:txBody>
-              </p:sp>
-            </mc:Choice>
-            <mc:Fallback xmlns="">
-              <p:sp>
-                <p:nvSpPr>
-                  <p:cNvPr id="27" name="Rectangle 26"/>
-                  <p:cNvSpPr>
-                    <a:spLocks noRot="1" noChangeAspect="1" noMove="1" noResize="1" noEditPoints="1" noAdjustHandles="1" noChangeArrowheads="1" noChangeShapeType="1" noTextEdit="1"/>
-                  </p:cNvSpPr>
-                  <p:nvPr/>
-                </p:nvSpPr>
-                <p:spPr>
-                  <a:xfrm>
-                    <a:off x="2749636" y="2928574"/>
-                    <a:ext cx="478528" cy="369332"/>
-                  </a:xfrm>
-                  <a:prstGeom prst="rect">
-                    <a:avLst/>
-                  </a:prstGeom>
-                  <a:blipFill rotWithShape="0">
-                    <a:blip r:embed="rId3"/>
-                    <a:stretch>
-                      <a:fillRect/>
-                    </a:stretch>
-                  </a:blipFill>
-                  <a:ln>
-                    <a:noFill/>
-                  </a:ln>
-                </p:spPr>
-                <p:txBody>
-                  <a:bodyPr/>
-                  <a:lstStyle/>
-                  <a:p>
-                    <a:r>
-                      <a:rPr lang="en-US">
-                        <a:noFill/>
-                      </a:rPr>
-                      <a:t> </a:t>
-                    </a:r>
-                  </a:p>
-                </p:txBody>
-              </p:sp>
-            </mc:Fallback>
-          </mc:AlternateContent>
-          <mc:AlternateContent xmlns:mc="http://schemas.openxmlformats.org/markup-compatibility/2006" xmlns:a14="http://schemas.microsoft.com/office/drawing/2010/main">
-            <mc:Choice Requires="a14">
-              <p:sp>
-                <p:nvSpPr>
-                  <p:cNvPr id="46" name="Rectangle 45"/>
-                  <p:cNvSpPr/>
-                  <p:nvPr/>
-                </p:nvSpPr>
-                <p:spPr>
-                  <a:xfrm>
-                    <a:off x="1950979" y="2439918"/>
-                    <a:ext cx="1066510" cy="369332"/>
-                  </a:xfrm>
-                  <a:prstGeom prst="rect">
-                    <a:avLst/>
-                  </a:prstGeom>
-                </p:spPr>
-                <p:txBody>
-                  <a:bodyPr wrap="none">
-                    <a:spAutoFit/>
-                  </a:bodyPr>
-                  <a:lstStyle/>
-                  <a:p>
-                    <a:pPr/>
-                    <a14:m>
-                      <m:oMathPara xmlns:m="http://schemas.openxmlformats.org/officeDocument/2006/math">
-                        <m:oMathParaPr>
-                          <m:jc m:val="centerGroup"/>
-                        </m:oMathParaPr>
-                        <m:oMath xmlns:m="http://schemas.openxmlformats.org/officeDocument/2006/math">
-                          <m:r>
-                            <a:rPr lang="en-US" b="0" i="1" smtClean="0">
-                              <a:latin typeface="Cambria Math" charset="0"/>
-                            </a:rPr>
-                            <m:t>𝑝</m:t>
-                          </m:r>
-                          <m:r>
-                            <a:rPr lang="en-US" b="0" i="1" smtClean="0">
-                              <a:latin typeface="Cambria Math" charset="0"/>
-                            </a:rPr>
-                            <m:t>(</m:t>
-                          </m:r>
-                          <m:sSub>
-                            <m:sSubPr>
-                              <m:ctrlPr>
-                                <a:rPr lang="en-US" b="0" i="1" smtClean="0">
-                                  <a:latin typeface="Cambria Math" charset="0"/>
-                                </a:rPr>
-                              </m:ctrlPr>
-                            </m:sSubPr>
-                            <m:e>
-                              <m:sSub>
-                                <m:sSubPr>
-                                  <m:ctrlPr>
-                                    <a:rPr lang="en-US" b="0" i="1" smtClean="0">
-                                      <a:latin typeface="Cambria Math" charset="0"/>
-                                    </a:rPr>
-                                  </m:ctrlPr>
-                                </m:sSubPr>
-                                <m:e>
-                                  <m:r>
-                                    <a:rPr lang="en-US" b="0" i="1" smtClean="0">
-                                      <a:latin typeface="Cambria Math" charset="0"/>
-                                    </a:rPr>
-                                    <m:t>𝑥</m:t>
-                                  </m:r>
-                                </m:e>
-                                <m:sub>
-                                  <m:r>
-                                    <a:rPr lang="en-US" b="0" i="1" smtClean="0">
-                                      <a:latin typeface="Cambria Math" charset="0"/>
-                                    </a:rPr>
-                                    <m:t>1</m:t>
-                                  </m:r>
-                                </m:sub>
-                              </m:sSub>
-                              <m:r>
-                                <a:rPr lang="en-US" b="0" i="1" smtClean="0">
-                                  <a:latin typeface="Cambria Math" charset="0"/>
-                                </a:rPr>
-                                <m:t>|</m:t>
-                              </m:r>
-                              <m:r>
-                                <a:rPr lang="en-US" b="0" i="1" smtClean="0">
-                                  <a:latin typeface="Cambria Math" charset="0"/>
-                                </a:rPr>
-                                <m:t>𝑧</m:t>
-                              </m:r>
-                            </m:e>
-                            <m:sub>
-                              <m:r>
-                                <a:rPr lang="en-US" b="0" i="1" smtClean="0">
-                                  <a:latin typeface="Cambria Math" charset="0"/>
-                                </a:rPr>
-                                <m:t>1</m:t>
-                              </m:r>
-                            </m:sub>
-                          </m:sSub>
-                          <m:r>
-                            <a:rPr lang="en-US" b="0" i="1" smtClean="0">
-                              <a:latin typeface="Cambria Math" charset="0"/>
-                            </a:rPr>
-                            <m:t>)</m:t>
-                          </m:r>
-                        </m:oMath>
-                      </m:oMathPara>
-                    </a14:m>
-                    <a:endParaRPr lang="en-US" dirty="0"/>
-                  </a:p>
-                </p:txBody>
-              </p:sp>
-            </mc:Choice>
-            <mc:Fallback xmlns="">
-              <p:sp>
-                <p:nvSpPr>
-                  <p:cNvPr id="46" name="Rectangle 45"/>
-                  <p:cNvSpPr>
-                    <a:spLocks noRot="1" noChangeAspect="1" noMove="1" noResize="1" noEditPoints="1" noAdjustHandles="1" noChangeArrowheads="1" noChangeShapeType="1" noTextEdit="1"/>
-                  </p:cNvSpPr>
-                  <p:nvPr/>
-                </p:nvSpPr>
-                <p:spPr>
-                  <a:xfrm>
-                    <a:off x="1950979" y="2439918"/>
-                    <a:ext cx="1066510" cy="369332"/>
-                  </a:xfrm>
-                  <a:prstGeom prst="rect">
-                    <a:avLst/>
-                  </a:prstGeom>
-                  <a:blipFill rotWithShape="0">
-                    <a:blip r:embed="rId4"/>
-                    <a:stretch>
-                      <a:fillRect b="-13115"/>
-                    </a:stretch>
-                  </a:blipFill>
-                </p:spPr>
-                <p:txBody>
-                  <a:bodyPr/>
-                  <a:lstStyle/>
-                  <a:p>
-                    <a:r>
-                      <a:rPr lang="en-US">
-                        <a:noFill/>
-                      </a:rPr>
-                      <a:t> </a:t>
-                    </a:r>
-                  </a:p>
-                </p:txBody>
-              </p:sp>
-            </mc:Fallback>
-          </mc:AlternateContent>
-          <mc:AlternateContent xmlns:mc="http://schemas.openxmlformats.org/markup-compatibility/2006" xmlns:a14="http://schemas.microsoft.com/office/drawing/2010/main">
-            <mc:Choice Requires="a14">
-              <p:sp>
-                <p:nvSpPr>
-                  <p:cNvPr id="47" name="Rectangle 46"/>
-                  <p:cNvSpPr/>
-                  <p:nvPr/>
-                </p:nvSpPr>
-                <p:spPr>
-                  <a:xfrm>
-                    <a:off x="2521472" y="1741043"/>
-                    <a:ext cx="469103" cy="369332"/>
-                  </a:xfrm>
-                  <a:prstGeom prst="rect">
-                    <a:avLst/>
-                  </a:prstGeom>
-                  <a:ln>
-                    <a:noFill/>
-                  </a:ln>
-                </p:spPr>
-                <p:txBody>
-                  <a:bodyPr wrap="none">
-                    <a:spAutoFit/>
-                  </a:bodyPr>
-                  <a:lstStyle/>
-                  <a:p>
-                    <a:pPr/>
-                    <a14:m>
-                      <m:oMathPara xmlns:m="http://schemas.openxmlformats.org/officeDocument/2006/math">
-                        <m:oMathParaPr>
-                          <m:jc m:val="centerGroup"/>
-                        </m:oMathParaPr>
-                        <m:oMath xmlns:m="http://schemas.openxmlformats.org/officeDocument/2006/math">
-                          <m:sSub>
-                            <m:sSubPr>
-                              <m:ctrlPr>
-                                <a:rPr lang="en-US" i="1" smtClean="0">
-                                  <a:latin typeface="Cambria Math" charset="0"/>
-                                </a:rPr>
-                              </m:ctrlPr>
-                            </m:sSubPr>
-                            <m:e>
-                              <m:r>
-                                <a:rPr lang="en-US" b="0" i="1" smtClean="0">
-                                  <a:latin typeface="Cambria Math" charset="0"/>
-                                </a:rPr>
-                                <m:t>𝑍</m:t>
-                              </m:r>
-                            </m:e>
-                            <m:sub>
-                              <m:r>
-                                <a:rPr lang="en-US" b="0" i="1" smtClean="0">
-                                  <a:latin typeface="Cambria Math" charset="0"/>
-                                </a:rPr>
-                                <m:t>1</m:t>
-                              </m:r>
-                            </m:sub>
-                          </m:sSub>
-                        </m:oMath>
-                      </m:oMathPara>
-                    </a14:m>
-                    <a:endParaRPr lang="en-US" dirty="0"/>
-                  </a:p>
-                </p:txBody>
-              </p:sp>
-            </mc:Choice>
-            <mc:Fallback xmlns="">
-              <p:sp>
-                <p:nvSpPr>
-                  <p:cNvPr id="47" name="Rectangle 46"/>
-                  <p:cNvSpPr>
-                    <a:spLocks noRot="1" noChangeAspect="1" noMove="1" noResize="1" noEditPoints="1" noAdjustHandles="1" noChangeArrowheads="1" noChangeShapeType="1" noTextEdit="1"/>
-                  </p:cNvSpPr>
-                  <p:nvPr/>
-                </p:nvSpPr>
-                <p:spPr>
-                  <a:xfrm>
-                    <a:off x="2521472" y="1741043"/>
-                    <a:ext cx="469103" cy="369332"/>
-                  </a:xfrm>
-                  <a:prstGeom prst="rect">
-                    <a:avLst/>
-                  </a:prstGeom>
-                  <a:blipFill rotWithShape="0">
-                    <a:blip r:embed="rId5"/>
-                    <a:stretch>
-                      <a:fillRect/>
-                    </a:stretch>
-                  </a:blipFill>
-                  <a:ln>
-                    <a:noFill/>
-                  </a:ln>
-                </p:spPr>
-                <p:txBody>
-                  <a:bodyPr/>
-                  <a:lstStyle/>
-                  <a:p>
-                    <a:r>
-                      <a:rPr lang="en-US">
-                        <a:noFill/>
-                      </a:rPr>
-                      <a:t> </a:t>
-                    </a:r>
-                  </a:p>
-                </p:txBody>
-              </p:sp>
-            </mc:Fallback>
-          </mc:AlternateContent>
-        </p:grpSp>
-        <p:grpSp>
-          <p:nvGrpSpPr>
-            <p:cNvPr id="52" name="Group 51"/>
-            <p:cNvGrpSpPr/>
-            <p:nvPr/>
-          </p:nvGrpSpPr>
-          <p:grpSpPr>
-            <a:xfrm>
-              <a:off x="3833772" y="997070"/>
-              <a:ext cx="2284470" cy="2395842"/>
-              <a:chOff x="1765862" y="1001383"/>
-              <a:chExt cx="2284470" cy="2395842"/>
-            </a:xfrm>
-          </p:grpSpPr>
-          <p:sp>
-            <p:nvSpPr>
-              <p:cNvPr id="53" name="Rectangle 52"/>
-              <p:cNvSpPr/>
-              <p:nvPr/>
-            </p:nvSpPr>
-            <p:spPr>
-              <a:xfrm>
-                <a:off x="1991544" y="1484784"/>
-                <a:ext cx="432048" cy="432048"/>
-              </a:xfrm>
-              <a:prstGeom prst="rect">
-                <a:avLst/>
-              </a:prstGeom>
-              <a:solidFill>
-                <a:schemeClr val="bg1"/>
-              </a:solidFill>
-              <a:ln w="28575">
-                <a:solidFill>
-                  <a:schemeClr val="tx1"/>
-                </a:solidFill>
-              </a:ln>
-            </p:spPr>
-            <p:style>
-              <a:lnRef idx="2">
-                <a:schemeClr val="accent1">
-                  <a:shade val="50000"/>
-                </a:schemeClr>
-              </a:lnRef>
-              <a:fillRef idx="1">
-                <a:schemeClr val="accent1"/>
-              </a:fillRef>
-              <a:effectRef idx="0">
-                <a:schemeClr val="accent1"/>
-              </a:effectRef>
-              <a:fontRef idx="minor">
-                <a:schemeClr val="lt1"/>
-              </a:fontRef>
-            </p:style>
-            <p:txBody>
-              <a:bodyPr rtlCol="0" anchor="ctr"/>
-              <a:lstStyle/>
-              <a:p>
-                <a:pPr algn="ctr"/>
-                <a:endParaRPr lang="en-US" dirty="0"/>
-              </a:p>
-            </p:txBody>
-          </p:sp>
-          <mc:AlternateContent xmlns:mc="http://schemas.openxmlformats.org/markup-compatibility/2006" xmlns:a14="http://schemas.microsoft.com/office/drawing/2010/main">
-            <mc:Choice Requires="a14">
-              <p:sp>
-                <p:nvSpPr>
-                  <p:cNvPr id="54" name="Rectangle 53"/>
-                  <p:cNvSpPr/>
-                  <p:nvPr/>
-                </p:nvSpPr>
-                <p:spPr>
-                  <a:xfrm>
-                    <a:off x="1765862" y="1001383"/>
-                    <a:ext cx="1057212" cy="369332"/>
-                  </a:xfrm>
-                  <a:prstGeom prst="rect">
-                    <a:avLst/>
-                  </a:prstGeom>
-                </p:spPr>
-                <p:txBody>
-                  <a:bodyPr wrap="none">
-                    <a:spAutoFit/>
-                  </a:bodyPr>
-                  <a:lstStyle/>
-                  <a:p>
-                    <a:pPr/>
-                    <a14:m>
-                      <m:oMathPara xmlns:m="http://schemas.openxmlformats.org/officeDocument/2006/math">
-                        <m:oMathParaPr>
-                          <m:jc m:val="centerGroup"/>
-                        </m:oMathParaPr>
-                        <m:oMath xmlns:m="http://schemas.openxmlformats.org/officeDocument/2006/math">
-                          <m:r>
-                            <a:rPr lang="en-US" b="0" i="1" smtClean="0">
-                              <a:latin typeface="Cambria Math" charset="0"/>
-                            </a:rPr>
-                            <m:t>𝑝</m:t>
-                          </m:r>
-                          <m:r>
-                            <a:rPr lang="en-US" b="0" i="1" smtClean="0">
-                              <a:latin typeface="Cambria Math" charset="0"/>
-                            </a:rPr>
-                            <m:t>(</m:t>
-                          </m:r>
-                          <m:sSub>
-                            <m:sSubPr>
-                              <m:ctrlPr>
-                                <a:rPr lang="en-US" b="0" i="1" smtClean="0">
-                                  <a:latin typeface="Cambria Math" charset="0"/>
-                                </a:rPr>
-                              </m:ctrlPr>
-                            </m:sSubPr>
-                            <m:e>
-                              <m:r>
-                                <a:rPr lang="en-US" b="0" i="1" smtClean="0">
-                                  <a:latin typeface="Cambria Math" charset="0"/>
-                                </a:rPr>
-                                <m:t>𝑧</m:t>
-                              </m:r>
-                            </m:e>
-                            <m:sub>
-                              <m:r>
-                                <a:rPr lang="en-US" b="0" i="1" smtClean="0">
-                                  <a:latin typeface="Cambria Math" charset="0"/>
-                                </a:rPr>
-                                <m:t>2</m:t>
+                                <m:t>𝑇</m:t>
                               </m:r>
                             </m:sub>
                           </m:sSub>
@@ -3958,7 +5344,13 @@
                                 <a:rPr lang="en-US" b="0" i="1" smtClean="0">
                                   <a:latin typeface="Cambria Math" charset="0"/>
                                 </a:rPr>
-                                <m:t>1</m:t>
+                                <m:t>𝑇</m:t>
+                              </m:r>
+                              <m:r>
+                                <a:rPr lang="en-US" b="0" i="1" smtClean="0">
+                                  <a:latin typeface="Cambria Math" charset="0"/>
+                                </a:rPr>
+                                <m:t>−1</m:t>
                               </m:r>
                             </m:sub>
                           </m:sSub>
@@ -3976,10 +5368,10 @@
                 </p:txBody>
               </p:sp>
             </mc:Choice>
-            <mc:Fallback xmlns="">
+            <mc:Fallback>
               <p:sp>
                 <p:nvSpPr>
-                  <p:cNvPr id="54" name="Rectangle 53"/>
+                  <p:cNvPr id="108" name="Rectangle 107"/>
                   <p:cNvSpPr>
                     <a:spLocks noRot="1" noChangeAspect="1" noMove="1" noResize="1" noEditPoints="1" noAdjustHandles="1" noChangeArrowheads="1" noChangeShapeType="1" noTextEdit="1"/>
                   </p:cNvSpPr>
@@ -3987,14 +5379,14 @@
                 </p:nvSpPr>
                 <p:spPr>
                   <a:xfrm>
-                    <a:off x="1765862" y="1001383"/>
-                    <a:ext cx="1057212" cy="369332"/>
+                    <a:off x="6975796" y="1059475"/>
+                    <a:ext cx="1321516" cy="369332"/>
                   </a:xfrm>
                   <a:prstGeom prst="rect">
                     <a:avLst/>
                   </a:prstGeom>
                   <a:blipFill rotWithShape="0">
-                    <a:blip r:embed="rId6"/>
+                    <a:blip r:embed="rId11"/>
                     <a:stretch>
                       <a:fillRect b="-13333"/>
                     </a:stretch>
@@ -4015,1174 +5407,22 @@
               </p:sp>
             </mc:Fallback>
           </mc:AlternateContent>
-          <p:sp>
-            <p:nvSpPr>
-              <p:cNvPr id="55" name="Rectangle 54"/>
-              <p:cNvSpPr/>
-              <p:nvPr/>
-            </p:nvSpPr>
-            <p:spPr>
-              <a:xfrm>
-                <a:off x="3056942" y="1525017"/>
-                <a:ext cx="360040" cy="351583"/>
-              </a:xfrm>
-              <a:prstGeom prst="rect">
-                <a:avLst/>
-              </a:prstGeom>
-              <a:solidFill>
-                <a:schemeClr val="bg1"/>
-              </a:solidFill>
-              <a:ln w="28575">
-                <a:solidFill>
-                  <a:schemeClr val="tx1"/>
-                </a:solidFill>
-              </a:ln>
-            </p:spPr>
-            <p:style>
-              <a:lnRef idx="2">
-                <a:schemeClr val="accent1">
-                  <a:shade val="50000"/>
-                </a:schemeClr>
-              </a:lnRef>
-              <a:fillRef idx="1">
-                <a:schemeClr val="accent1"/>
-              </a:fillRef>
-              <a:effectRef idx="0">
-                <a:schemeClr val="accent1"/>
-              </a:effectRef>
-              <a:fontRef idx="minor">
-                <a:schemeClr val="lt1"/>
-              </a:fontRef>
-            </p:style>
-            <p:txBody>
-              <a:bodyPr rtlCol="0" anchor="ctr"/>
-              <a:lstStyle/>
-              <a:p>
-                <a:pPr algn="ctr"/>
-                <a:endParaRPr lang="en-US" dirty="0"/>
-              </a:p>
-            </p:txBody>
-          </p:sp>
-          <p:sp>
-            <p:nvSpPr>
-              <p:cNvPr id="56" name="TextBox 55"/>
-              <p:cNvSpPr txBox="1"/>
-              <p:nvPr/>
-            </p:nvSpPr>
-            <p:spPr>
-              <a:xfrm>
-                <a:off x="3080380" y="1469975"/>
-                <a:ext cx="432048" cy="461665"/>
-              </a:xfrm>
-              <a:prstGeom prst="rect">
-                <a:avLst/>
-              </a:prstGeom>
-              <a:noFill/>
-              <a:ln>
-                <a:noFill/>
-              </a:ln>
-            </p:spPr>
-            <p:txBody>
-              <a:bodyPr wrap="square" rtlCol="0">
-                <a:spAutoFit/>
-              </a:bodyPr>
-              <a:lstStyle/>
-              <a:p>
-                <a:r>
-                  <a:rPr lang="en-US" sz="2400" dirty="0" smtClean="0"/>
-                  <a:t>=</a:t>
-                </a:r>
-                <a:endParaRPr lang="en-US" sz="2400" dirty="0"/>
-              </a:p>
-            </p:txBody>
-          </p:sp>
-          <p:cxnSp>
-            <p:nvCxnSpPr>
-              <p:cNvPr id="60" name="Straight Connector 59"/>
-              <p:cNvCxnSpPr/>
-              <p:nvPr/>
-            </p:nvCxnSpPr>
-            <p:spPr>
-              <a:xfrm>
-                <a:off x="2423592" y="1700808"/>
-                <a:ext cx="633350" cy="1"/>
-              </a:xfrm>
-              <a:prstGeom prst="line">
-                <a:avLst/>
-              </a:prstGeom>
-              <a:ln w="28575">
-                <a:solidFill>
-                  <a:schemeClr val="tx1"/>
-                </a:solidFill>
-              </a:ln>
-            </p:spPr>
-            <p:style>
-              <a:lnRef idx="1">
-                <a:schemeClr val="accent1"/>
-              </a:lnRef>
-              <a:fillRef idx="0">
-                <a:schemeClr val="accent1"/>
-              </a:fillRef>
-              <a:effectRef idx="0">
-                <a:schemeClr val="accent1"/>
-              </a:effectRef>
-              <a:fontRef idx="minor">
-                <a:schemeClr val="tx1"/>
-              </a:fontRef>
-            </p:style>
-          </p:cxnSp>
-          <p:cxnSp>
-            <p:nvCxnSpPr>
-              <p:cNvPr id="64" name="Straight Connector 63"/>
-              <p:cNvCxnSpPr/>
-              <p:nvPr/>
-            </p:nvCxnSpPr>
-            <p:spPr>
-              <a:xfrm>
-                <a:off x="3416982" y="1700808"/>
-                <a:ext cx="633350" cy="0"/>
-              </a:xfrm>
-              <a:prstGeom prst="line">
-                <a:avLst/>
-              </a:prstGeom>
-              <a:ln w="28575">
-                <a:solidFill>
-                  <a:schemeClr val="tx1"/>
-                </a:solidFill>
-              </a:ln>
-            </p:spPr>
-            <p:style>
-              <a:lnRef idx="1">
-                <a:schemeClr val="accent1"/>
-              </a:lnRef>
-              <a:fillRef idx="0">
-                <a:schemeClr val="accent1"/>
-              </a:fillRef>
-              <a:effectRef idx="0">
-                <a:schemeClr val="accent1"/>
-              </a:effectRef>
-              <a:fontRef idx="minor">
-                <a:schemeClr val="tx1"/>
-              </a:fontRef>
-            </p:style>
-          </p:cxnSp>
-          <p:sp>
-            <p:nvSpPr>
-              <p:cNvPr id="65" name="Rectangle 64"/>
-              <p:cNvSpPr/>
-              <p:nvPr/>
-            </p:nvSpPr>
-            <p:spPr>
-              <a:xfrm>
-                <a:off x="3020938" y="2420888"/>
-                <a:ext cx="432048" cy="432048"/>
-              </a:xfrm>
-              <a:prstGeom prst="rect">
-                <a:avLst/>
-              </a:prstGeom>
-              <a:solidFill>
-                <a:schemeClr val="bg1"/>
-              </a:solidFill>
-              <a:ln w="28575">
-                <a:solidFill>
-                  <a:schemeClr val="tx1"/>
-                </a:solidFill>
-              </a:ln>
-            </p:spPr>
-            <p:style>
-              <a:lnRef idx="2">
-                <a:schemeClr val="accent1">
-                  <a:shade val="50000"/>
-                </a:schemeClr>
-              </a:lnRef>
-              <a:fillRef idx="1">
-                <a:schemeClr val="accent1"/>
-              </a:fillRef>
-              <a:effectRef idx="0">
-                <a:schemeClr val="accent1"/>
-              </a:effectRef>
-              <a:fontRef idx="minor">
-                <a:schemeClr val="lt1"/>
-              </a:fontRef>
-            </p:style>
-            <p:txBody>
-              <a:bodyPr rtlCol="0" anchor="ctr"/>
-              <a:lstStyle/>
-              <a:p>
-                <a:pPr algn="ctr"/>
-                <a:endParaRPr lang="en-US" dirty="0"/>
-              </a:p>
-            </p:txBody>
-          </p:sp>
-          <p:cxnSp>
-            <p:nvCxnSpPr>
-              <p:cNvPr id="70" name="Straight Connector 69"/>
-              <p:cNvCxnSpPr/>
-              <p:nvPr/>
-            </p:nvCxnSpPr>
-            <p:spPr>
-              <a:xfrm>
-                <a:off x="3236962" y="1876599"/>
-                <a:ext cx="0" cy="544289"/>
-              </a:xfrm>
-              <a:prstGeom prst="line">
-                <a:avLst/>
-              </a:prstGeom>
-              <a:ln w="28575">
-                <a:solidFill>
-                  <a:schemeClr val="tx1"/>
-                </a:solidFill>
-              </a:ln>
-            </p:spPr>
-            <p:style>
-              <a:lnRef idx="1">
-                <a:schemeClr val="accent1"/>
-              </a:lnRef>
-              <a:fillRef idx="0">
-                <a:schemeClr val="accent1"/>
-              </a:fillRef>
-              <a:effectRef idx="0">
-                <a:schemeClr val="accent1"/>
-              </a:effectRef>
-              <a:fontRef idx="minor">
-                <a:schemeClr val="tx1"/>
-              </a:fontRef>
-            </p:style>
-          </p:cxnSp>
-          <p:cxnSp>
-            <p:nvCxnSpPr>
-              <p:cNvPr id="71" name="Straight Connector 70"/>
-              <p:cNvCxnSpPr/>
-              <p:nvPr/>
-            </p:nvCxnSpPr>
-            <p:spPr>
-              <a:xfrm>
-                <a:off x="3236962" y="2852936"/>
-                <a:ext cx="0" cy="544289"/>
-              </a:xfrm>
-              <a:prstGeom prst="line">
-                <a:avLst/>
-              </a:prstGeom>
-              <a:ln w="28575">
-                <a:solidFill>
-                  <a:schemeClr val="tx1"/>
-                </a:solidFill>
-              </a:ln>
-            </p:spPr>
-            <p:style>
-              <a:lnRef idx="1">
-                <a:schemeClr val="accent1"/>
-              </a:lnRef>
-              <a:fillRef idx="0">
-                <a:schemeClr val="accent1"/>
-              </a:fillRef>
-              <a:effectRef idx="0">
-                <a:schemeClr val="accent1"/>
-              </a:effectRef>
-              <a:fontRef idx="minor">
-                <a:schemeClr val="tx1"/>
-              </a:fontRef>
-            </p:style>
-          </p:cxnSp>
-          <mc:AlternateContent xmlns:mc="http://schemas.openxmlformats.org/markup-compatibility/2006" xmlns:a14="http://schemas.microsoft.com/office/drawing/2010/main">
-            <mc:Choice Requires="a14">
-              <p:sp>
-                <p:nvSpPr>
-                  <p:cNvPr id="72" name="Rectangle 71"/>
-                  <p:cNvSpPr/>
-                  <p:nvPr/>
-                </p:nvSpPr>
-                <p:spPr>
-                  <a:xfrm>
-                    <a:off x="2737415" y="3003610"/>
-                    <a:ext cx="478528" cy="369332"/>
-                  </a:xfrm>
-                  <a:prstGeom prst="rect">
-                    <a:avLst/>
-                  </a:prstGeom>
-                  <a:ln>
-                    <a:noFill/>
-                  </a:ln>
-                </p:spPr>
-                <p:txBody>
-                  <a:bodyPr wrap="none">
-                    <a:spAutoFit/>
-                  </a:bodyPr>
-                  <a:lstStyle/>
-                  <a:p>
-                    <a:pPr/>
-                    <a14:m>
-                      <m:oMathPara xmlns:m="http://schemas.openxmlformats.org/officeDocument/2006/math">
-                        <m:oMathParaPr>
-                          <m:jc m:val="centerGroup"/>
-                        </m:oMathParaPr>
-                        <m:oMath xmlns:m="http://schemas.openxmlformats.org/officeDocument/2006/math">
-                          <m:sSub>
-                            <m:sSubPr>
-                              <m:ctrlPr>
-                                <a:rPr lang="en-US" i="1" smtClean="0">
-                                  <a:latin typeface="Cambria Math" charset="0"/>
-                                </a:rPr>
-                              </m:ctrlPr>
-                            </m:sSubPr>
-                            <m:e>
-                              <m:r>
-                                <a:rPr lang="en-US" b="0" i="1" smtClean="0">
-                                  <a:latin typeface="Cambria Math" charset="0"/>
-                                </a:rPr>
-                                <m:t>𝑋</m:t>
-                              </m:r>
-                            </m:e>
-                            <m:sub>
-                              <m:r>
-                                <a:rPr lang="en-US" b="0" i="1" smtClean="0">
-                                  <a:latin typeface="Cambria Math" charset="0"/>
-                                </a:rPr>
-                                <m:t>1</m:t>
-                              </m:r>
-                            </m:sub>
-                          </m:sSub>
-                        </m:oMath>
-                      </m:oMathPara>
-                    </a14:m>
-                    <a:endParaRPr lang="en-US" dirty="0"/>
-                  </a:p>
-                </p:txBody>
-              </p:sp>
-            </mc:Choice>
-            <mc:Fallback xmlns="">
-              <p:sp>
-                <p:nvSpPr>
-                  <p:cNvPr id="72" name="Rectangle 71"/>
-                  <p:cNvSpPr>
-                    <a:spLocks noRot="1" noChangeAspect="1" noMove="1" noResize="1" noEditPoints="1" noAdjustHandles="1" noChangeArrowheads="1" noChangeShapeType="1" noTextEdit="1"/>
-                  </p:cNvSpPr>
-                  <p:nvPr/>
-                </p:nvSpPr>
-                <p:spPr>
-                  <a:xfrm>
-                    <a:off x="2737415" y="3003610"/>
-                    <a:ext cx="478528" cy="369332"/>
-                  </a:xfrm>
-                  <a:prstGeom prst="rect">
-                    <a:avLst/>
-                  </a:prstGeom>
-                  <a:blipFill rotWithShape="0">
-                    <a:blip r:embed="rId3"/>
-                    <a:stretch>
-                      <a:fillRect/>
-                    </a:stretch>
-                  </a:blipFill>
-                  <a:ln>
-                    <a:noFill/>
-                  </a:ln>
-                </p:spPr>
-                <p:txBody>
-                  <a:bodyPr/>
-                  <a:lstStyle/>
-                  <a:p>
-                    <a:r>
-                      <a:rPr lang="en-US">
-                        <a:noFill/>
-                      </a:rPr>
-                      <a:t> </a:t>
-                    </a:r>
-                  </a:p>
-                </p:txBody>
-              </p:sp>
-            </mc:Fallback>
-          </mc:AlternateContent>
-          <mc:AlternateContent xmlns:mc="http://schemas.openxmlformats.org/markup-compatibility/2006" xmlns:a14="http://schemas.microsoft.com/office/drawing/2010/main">
-            <mc:Choice Requires="a14">
-              <p:sp>
-                <p:nvSpPr>
-                  <p:cNvPr id="81" name="Rectangle 80"/>
-                  <p:cNvSpPr/>
-                  <p:nvPr/>
-                </p:nvSpPr>
-                <p:spPr>
-                  <a:xfrm>
-                    <a:off x="1950979" y="2439918"/>
-                    <a:ext cx="1077154" cy="369332"/>
-                  </a:xfrm>
-                  <a:prstGeom prst="rect">
-                    <a:avLst/>
-                  </a:prstGeom>
-                </p:spPr>
-                <p:txBody>
-                  <a:bodyPr wrap="none">
-                    <a:spAutoFit/>
-                  </a:bodyPr>
-                  <a:lstStyle/>
-                  <a:p>
-                    <a:pPr/>
-                    <a14:m>
-                      <m:oMathPara xmlns:m="http://schemas.openxmlformats.org/officeDocument/2006/math">
-                        <m:oMathParaPr>
-                          <m:jc m:val="centerGroup"/>
-                        </m:oMathParaPr>
-                        <m:oMath xmlns:m="http://schemas.openxmlformats.org/officeDocument/2006/math">
-                          <m:r>
-                            <a:rPr lang="en-US" b="0" i="1" smtClean="0">
-                              <a:latin typeface="Cambria Math" charset="0"/>
-                            </a:rPr>
-                            <m:t>𝑝</m:t>
-                          </m:r>
-                          <m:r>
-                            <a:rPr lang="en-US" b="0" i="1" smtClean="0">
-                              <a:latin typeface="Cambria Math" charset="0"/>
-                            </a:rPr>
-                            <m:t>(</m:t>
-                          </m:r>
-                          <m:sSub>
-                            <m:sSubPr>
-                              <m:ctrlPr>
-                                <a:rPr lang="en-US" b="0" i="1" smtClean="0">
-                                  <a:latin typeface="Cambria Math" charset="0"/>
-                                </a:rPr>
-                              </m:ctrlPr>
-                            </m:sSubPr>
-                            <m:e>
-                              <m:sSub>
-                                <m:sSubPr>
-                                  <m:ctrlPr>
-                                    <a:rPr lang="en-US" b="0" i="1" smtClean="0">
-                                      <a:latin typeface="Cambria Math" charset="0"/>
-                                    </a:rPr>
-                                  </m:ctrlPr>
-                                </m:sSubPr>
-                                <m:e>
-                                  <m:r>
-                                    <a:rPr lang="en-US" b="0" i="1" smtClean="0">
-                                      <a:latin typeface="Cambria Math" charset="0"/>
-                                    </a:rPr>
-                                    <m:t>𝑥</m:t>
-                                  </m:r>
-                                </m:e>
-                                <m:sub>
-                                  <m:r>
-                                    <a:rPr lang="en-US" b="0" i="1" smtClean="0">
-                                      <a:latin typeface="Cambria Math" charset="0"/>
-                                    </a:rPr>
-                                    <m:t>2</m:t>
-                                  </m:r>
-                                </m:sub>
-                              </m:sSub>
-                              <m:r>
-                                <a:rPr lang="en-US" b="0" i="1" smtClean="0">
-                                  <a:latin typeface="Cambria Math" charset="0"/>
-                                </a:rPr>
-                                <m:t>|</m:t>
-                              </m:r>
-                              <m:r>
-                                <a:rPr lang="en-US" b="0" i="1" smtClean="0">
-                                  <a:latin typeface="Cambria Math" charset="0"/>
-                                </a:rPr>
-                                <m:t>𝑧</m:t>
-                              </m:r>
-                            </m:e>
-                            <m:sub>
-                              <m:r>
-                                <a:rPr lang="en-US" b="0" i="1" smtClean="0">
-                                  <a:latin typeface="Cambria Math" charset="0"/>
-                                </a:rPr>
-                                <m:t>2</m:t>
-                              </m:r>
-                            </m:sub>
-                          </m:sSub>
-                          <m:r>
-                            <a:rPr lang="en-US" b="0" i="1" smtClean="0">
-                              <a:latin typeface="Cambria Math" charset="0"/>
-                            </a:rPr>
-                            <m:t>)</m:t>
-                          </m:r>
-                        </m:oMath>
-                      </m:oMathPara>
-                    </a14:m>
-                    <a:endParaRPr lang="en-US" dirty="0"/>
-                  </a:p>
-                </p:txBody>
-              </p:sp>
-            </mc:Choice>
-            <mc:Fallback xmlns="">
-              <p:sp>
-                <p:nvSpPr>
-                  <p:cNvPr id="81" name="Rectangle 80"/>
-                  <p:cNvSpPr>
-                    <a:spLocks noRot="1" noChangeAspect="1" noMove="1" noResize="1" noEditPoints="1" noAdjustHandles="1" noChangeArrowheads="1" noChangeShapeType="1" noTextEdit="1"/>
-                  </p:cNvSpPr>
-                  <p:nvPr/>
-                </p:nvSpPr>
-                <p:spPr>
-                  <a:xfrm>
-                    <a:off x="1950979" y="2439918"/>
-                    <a:ext cx="1077154" cy="369332"/>
-                  </a:xfrm>
-                  <a:prstGeom prst="rect">
-                    <a:avLst/>
-                  </a:prstGeom>
-                  <a:blipFill rotWithShape="0">
-                    <a:blip r:embed="rId7"/>
-                    <a:stretch>
-                      <a:fillRect b="-13333"/>
-                    </a:stretch>
-                  </a:blipFill>
-                </p:spPr>
-                <p:txBody>
-                  <a:bodyPr/>
-                  <a:lstStyle/>
-                  <a:p>
-                    <a:r>
-                      <a:rPr lang="en-US">
-                        <a:noFill/>
-                      </a:rPr>
-                      <a:t> </a:t>
-                    </a:r>
-                  </a:p>
-                </p:txBody>
-              </p:sp>
-            </mc:Fallback>
-          </mc:AlternateContent>
-          <mc:AlternateContent xmlns:mc="http://schemas.openxmlformats.org/markup-compatibility/2006" xmlns:a14="http://schemas.microsoft.com/office/drawing/2010/main">
-            <mc:Choice Requires="a14">
-              <p:sp>
-                <p:nvSpPr>
-                  <p:cNvPr id="82" name="Rectangle 81"/>
-                  <p:cNvSpPr/>
-                  <p:nvPr/>
-                </p:nvSpPr>
-                <p:spPr>
-                  <a:xfrm>
-                    <a:off x="2521472" y="1741043"/>
-                    <a:ext cx="469103" cy="369332"/>
-                  </a:xfrm>
-                  <a:prstGeom prst="rect">
-                    <a:avLst/>
-                  </a:prstGeom>
-                  <a:ln>
-                    <a:noFill/>
-                  </a:ln>
-                </p:spPr>
-                <p:txBody>
-                  <a:bodyPr wrap="none">
-                    <a:spAutoFit/>
-                  </a:bodyPr>
-                  <a:lstStyle/>
-                  <a:p>
-                    <a:pPr/>
-                    <a14:m>
-                      <m:oMathPara xmlns:m="http://schemas.openxmlformats.org/officeDocument/2006/math">
-                        <m:oMathParaPr>
-                          <m:jc m:val="centerGroup"/>
-                        </m:oMathParaPr>
-                        <m:oMath xmlns:m="http://schemas.openxmlformats.org/officeDocument/2006/math">
-                          <m:sSub>
-                            <m:sSubPr>
-                              <m:ctrlPr>
-                                <a:rPr lang="en-US" i="1" smtClean="0">
-                                  <a:latin typeface="Cambria Math" charset="0"/>
-                                </a:rPr>
-                              </m:ctrlPr>
-                            </m:sSubPr>
-                            <m:e>
-                              <m:r>
-                                <a:rPr lang="en-US" b="0" i="1" smtClean="0">
-                                  <a:latin typeface="Cambria Math" charset="0"/>
-                                </a:rPr>
-                                <m:t>𝑍</m:t>
-                              </m:r>
-                            </m:e>
-                            <m:sub>
-                              <m:r>
-                                <a:rPr lang="en-US" b="0" i="1" smtClean="0">
-                                  <a:latin typeface="Cambria Math" charset="0"/>
-                                </a:rPr>
-                                <m:t>1</m:t>
-                              </m:r>
-                            </m:sub>
-                          </m:sSub>
-                        </m:oMath>
-                      </m:oMathPara>
-                    </a14:m>
-                    <a:endParaRPr lang="en-US" dirty="0"/>
-                  </a:p>
-                </p:txBody>
-              </p:sp>
-            </mc:Choice>
-            <mc:Fallback xmlns="">
-              <p:sp>
-                <p:nvSpPr>
-                  <p:cNvPr id="82" name="Rectangle 81"/>
-                  <p:cNvSpPr>
-                    <a:spLocks noRot="1" noChangeAspect="1" noMove="1" noResize="1" noEditPoints="1" noAdjustHandles="1" noChangeArrowheads="1" noChangeShapeType="1" noTextEdit="1"/>
-                  </p:cNvSpPr>
-                  <p:nvPr/>
-                </p:nvSpPr>
-                <p:spPr>
-                  <a:xfrm>
-                    <a:off x="2521472" y="1741043"/>
-                    <a:ext cx="469103" cy="369332"/>
-                  </a:xfrm>
-                  <a:prstGeom prst="rect">
-                    <a:avLst/>
-                  </a:prstGeom>
-                  <a:blipFill rotWithShape="0">
-                    <a:blip r:embed="rId5"/>
-                    <a:stretch>
-                      <a:fillRect/>
-                    </a:stretch>
-                  </a:blipFill>
-                  <a:ln>
-                    <a:noFill/>
-                  </a:ln>
-                </p:spPr>
-                <p:txBody>
-                  <a:bodyPr/>
-                  <a:lstStyle/>
-                  <a:p>
-                    <a:r>
-                      <a:rPr lang="en-US">
-                        <a:noFill/>
-                      </a:rPr>
-                      <a:t> </a:t>
-                    </a:r>
-                  </a:p>
-                </p:txBody>
-              </p:sp>
-            </mc:Fallback>
-          </mc:AlternateContent>
-        </p:grpSp>
-        <p:grpSp>
-          <p:nvGrpSpPr>
-            <p:cNvPr id="84" name="Group 83"/>
-            <p:cNvGrpSpPr/>
-            <p:nvPr/>
-          </p:nvGrpSpPr>
-          <p:grpSpPr>
-            <a:xfrm>
-              <a:off x="7526932" y="1480471"/>
-              <a:ext cx="1502007" cy="1912441"/>
-              <a:chOff x="1950979" y="1484784"/>
-              <a:chExt cx="1502007" cy="1912441"/>
-            </a:xfrm>
-          </p:grpSpPr>
-          <p:sp>
-            <p:nvSpPr>
-              <p:cNvPr id="85" name="Rectangle 84"/>
-              <p:cNvSpPr/>
-              <p:nvPr/>
-            </p:nvSpPr>
-            <p:spPr>
-              <a:xfrm>
-                <a:off x="1991544" y="1484784"/>
-                <a:ext cx="432048" cy="432048"/>
-              </a:xfrm>
-              <a:prstGeom prst="rect">
-                <a:avLst/>
-              </a:prstGeom>
-              <a:solidFill>
-                <a:schemeClr val="bg1"/>
-              </a:solidFill>
-              <a:ln w="28575">
-                <a:solidFill>
-                  <a:schemeClr val="tx1"/>
-                </a:solidFill>
-              </a:ln>
-            </p:spPr>
-            <p:style>
-              <a:lnRef idx="2">
-                <a:schemeClr val="accent1">
-                  <a:shade val="50000"/>
-                </a:schemeClr>
-              </a:lnRef>
-              <a:fillRef idx="1">
-                <a:schemeClr val="accent1"/>
-              </a:fillRef>
-              <a:effectRef idx="0">
-                <a:schemeClr val="accent1"/>
-              </a:effectRef>
-              <a:fontRef idx="minor">
-                <a:schemeClr val="lt1"/>
-              </a:fontRef>
-            </p:style>
-            <p:txBody>
-              <a:bodyPr rtlCol="0" anchor="ctr"/>
-              <a:lstStyle/>
-              <a:p>
-                <a:pPr algn="ctr"/>
-                <a:endParaRPr lang="en-US" dirty="0"/>
-              </a:p>
-            </p:txBody>
-          </p:sp>
-          <p:sp>
-            <p:nvSpPr>
-              <p:cNvPr id="91" name="Rectangle 90"/>
-              <p:cNvSpPr/>
-              <p:nvPr/>
-            </p:nvSpPr>
-            <p:spPr>
-              <a:xfrm>
-                <a:off x="3020938" y="2420888"/>
-                <a:ext cx="432048" cy="432048"/>
-              </a:xfrm>
-              <a:prstGeom prst="rect">
-                <a:avLst/>
-              </a:prstGeom>
-              <a:solidFill>
-                <a:schemeClr val="bg1"/>
-              </a:solidFill>
-              <a:ln w="28575">
-                <a:solidFill>
-                  <a:schemeClr val="tx1"/>
-                </a:solidFill>
-              </a:ln>
-            </p:spPr>
-            <p:style>
-              <a:lnRef idx="2">
-                <a:schemeClr val="accent1">
-                  <a:shade val="50000"/>
-                </a:schemeClr>
-              </a:lnRef>
-              <a:fillRef idx="1">
-                <a:schemeClr val="accent1"/>
-              </a:fillRef>
-              <a:effectRef idx="0">
-                <a:schemeClr val="accent1"/>
-              </a:effectRef>
-              <a:fontRef idx="minor">
-                <a:schemeClr val="lt1"/>
-              </a:fontRef>
-            </p:style>
-            <p:txBody>
-              <a:bodyPr rtlCol="0" anchor="ctr"/>
-              <a:lstStyle/>
-              <a:p>
-                <a:pPr algn="ctr"/>
-                <a:endParaRPr lang="en-US" dirty="0"/>
-              </a:p>
-            </p:txBody>
-          </p:sp>
-          <p:cxnSp>
-            <p:nvCxnSpPr>
-              <p:cNvPr id="93" name="Straight Connector 92"/>
-              <p:cNvCxnSpPr/>
-              <p:nvPr/>
-            </p:nvCxnSpPr>
-            <p:spPr>
-              <a:xfrm>
-                <a:off x="3236962" y="2852936"/>
-                <a:ext cx="0" cy="544289"/>
-              </a:xfrm>
-              <a:prstGeom prst="line">
-                <a:avLst/>
-              </a:prstGeom>
-              <a:ln w="28575">
-                <a:solidFill>
-                  <a:schemeClr val="tx1"/>
-                </a:solidFill>
-              </a:ln>
-            </p:spPr>
-            <p:style>
-              <a:lnRef idx="1">
-                <a:schemeClr val="accent1"/>
-              </a:lnRef>
-              <a:fillRef idx="0">
-                <a:schemeClr val="accent1"/>
-              </a:fillRef>
-              <a:effectRef idx="0">
-                <a:schemeClr val="accent1"/>
-              </a:effectRef>
-              <a:fontRef idx="minor">
-                <a:schemeClr val="tx1"/>
-              </a:fontRef>
-            </p:style>
-          </p:cxnSp>
-          <mc:AlternateContent xmlns:mc="http://schemas.openxmlformats.org/markup-compatibility/2006">
-            <mc:Choice xmlns:a14="http://schemas.microsoft.com/office/drawing/2010/main" Requires="a14">
-              <p:sp>
-                <p:nvSpPr>
-                  <p:cNvPr id="94" name="Rectangle 93"/>
-                  <p:cNvSpPr/>
-                  <p:nvPr/>
-                </p:nvSpPr>
-                <p:spPr>
-                  <a:xfrm>
-                    <a:off x="2740267" y="2947941"/>
-                    <a:ext cx="503535" cy="369332"/>
-                  </a:xfrm>
-                  <a:prstGeom prst="rect">
-                    <a:avLst/>
-                  </a:prstGeom>
-                  <a:ln>
-                    <a:noFill/>
-                  </a:ln>
-                </p:spPr>
-                <p:txBody>
-                  <a:bodyPr wrap="none">
-                    <a:spAutoFit/>
-                  </a:bodyPr>
-                  <a:lstStyle/>
-                  <a:p>
-                    <a:pPr/>
-                    <a14:m>
-                      <m:oMathPara xmlns:m="http://schemas.openxmlformats.org/officeDocument/2006/math">
-                        <m:oMathParaPr>
-                          <m:jc m:val="centerGroup"/>
-                        </m:oMathParaPr>
-                        <m:oMath xmlns:m="http://schemas.openxmlformats.org/officeDocument/2006/math">
-                          <m:sSub>
-                            <m:sSubPr>
-                              <m:ctrlPr>
-                                <a:rPr lang="en-US" i="1" smtClean="0">
-                                  <a:latin typeface="Cambria Math" charset="0"/>
-                                </a:rPr>
-                              </m:ctrlPr>
-                            </m:sSubPr>
-                            <m:e>
-                              <m:r>
-                                <a:rPr lang="en-US" b="0" i="1" smtClean="0">
-                                  <a:latin typeface="Cambria Math" charset="0"/>
-                                </a:rPr>
-                                <m:t>𝑋</m:t>
-                              </m:r>
-                            </m:e>
-                            <m:sub>
-                              <m:r>
-                                <a:rPr lang="en-US" b="0" i="1" smtClean="0">
-                                  <a:latin typeface="Cambria Math" charset="0"/>
-                                </a:rPr>
-                                <m:t>𝑇</m:t>
-                              </m:r>
-                            </m:sub>
-                          </m:sSub>
-                        </m:oMath>
-                      </m:oMathPara>
-                    </a14:m>
-                    <a:endParaRPr lang="en-US" dirty="0"/>
-                  </a:p>
-                </p:txBody>
-              </p:sp>
-            </mc:Choice>
-            <mc:Fallback>
-              <p:sp>
-                <p:nvSpPr>
-                  <p:cNvPr id="94" name="Rectangle 93"/>
-                  <p:cNvSpPr>
-                    <a:spLocks noRot="1" noChangeAspect="1" noMove="1" noResize="1" noEditPoints="1" noAdjustHandles="1" noChangeArrowheads="1" noChangeShapeType="1" noTextEdit="1"/>
-                  </p:cNvSpPr>
-                  <p:nvPr/>
-                </p:nvSpPr>
-                <p:spPr>
-                  <a:xfrm>
-                    <a:off x="2740267" y="2947941"/>
-                    <a:ext cx="503535" cy="369332"/>
-                  </a:xfrm>
-                  <a:prstGeom prst="rect">
-                    <a:avLst/>
-                  </a:prstGeom>
-                  <a:blipFill rotWithShape="0">
-                    <a:blip r:embed="rId8"/>
-                    <a:stretch>
-                      <a:fillRect/>
-                    </a:stretch>
-                  </a:blipFill>
-                  <a:ln>
-                    <a:noFill/>
-                  </a:ln>
-                </p:spPr>
-                <p:txBody>
-                  <a:bodyPr/>
-                  <a:lstStyle/>
-                  <a:p>
-                    <a:r>
-                      <a:rPr lang="en-US">
-                        <a:noFill/>
-                      </a:rPr>
-                      <a:t> </a:t>
-                    </a:r>
-                  </a:p>
-                </p:txBody>
-              </p:sp>
-            </mc:Fallback>
-          </mc:AlternateContent>
-          <mc:AlternateContent xmlns:mc="http://schemas.openxmlformats.org/markup-compatibility/2006">
-            <mc:Choice xmlns:a14="http://schemas.microsoft.com/office/drawing/2010/main" Requires="a14">
-              <p:sp>
-                <p:nvSpPr>
-                  <p:cNvPr id="103" name="Rectangle 102"/>
-                  <p:cNvSpPr/>
-                  <p:nvPr/>
-                </p:nvSpPr>
-                <p:spPr>
-                  <a:xfrm>
-                    <a:off x="1950979" y="2439918"/>
-                    <a:ext cx="1160189" cy="369332"/>
-                  </a:xfrm>
-                  <a:prstGeom prst="rect">
-                    <a:avLst/>
-                  </a:prstGeom>
-                </p:spPr>
-                <p:txBody>
-                  <a:bodyPr wrap="none">
-                    <a:spAutoFit/>
-                  </a:bodyPr>
-                  <a:lstStyle/>
-                  <a:p>
-                    <a:pPr/>
-                    <a14:m>
-                      <m:oMathPara xmlns:m="http://schemas.openxmlformats.org/officeDocument/2006/math">
-                        <m:oMathParaPr>
-                          <m:jc m:val="centerGroup"/>
-                        </m:oMathParaPr>
-                        <m:oMath xmlns:m="http://schemas.openxmlformats.org/officeDocument/2006/math">
-                          <m:r>
-                            <a:rPr lang="en-US" b="0" i="1" smtClean="0">
-                              <a:latin typeface="Cambria Math" charset="0"/>
-                            </a:rPr>
-                            <m:t>𝑝</m:t>
-                          </m:r>
-                          <m:r>
-                            <a:rPr lang="en-US" b="0" i="1" smtClean="0">
-                              <a:latin typeface="Cambria Math" charset="0"/>
-                            </a:rPr>
-                            <m:t>(</m:t>
-                          </m:r>
-                          <m:sSub>
-                            <m:sSubPr>
-                              <m:ctrlPr>
-                                <a:rPr lang="en-US" b="0" i="1" smtClean="0">
-                                  <a:latin typeface="Cambria Math" charset="0"/>
-                                </a:rPr>
-                              </m:ctrlPr>
-                            </m:sSubPr>
-                            <m:e>
-                              <m:sSub>
-                                <m:sSubPr>
-                                  <m:ctrlPr>
-                                    <a:rPr lang="en-US" b="0" i="1" smtClean="0">
-                                      <a:latin typeface="Cambria Math" charset="0"/>
-                                    </a:rPr>
-                                  </m:ctrlPr>
-                                </m:sSubPr>
-                                <m:e>
-                                  <m:r>
-                                    <a:rPr lang="en-US" b="0" i="1" smtClean="0">
-                                      <a:latin typeface="Cambria Math" charset="0"/>
-                                    </a:rPr>
-                                    <m:t>𝑥</m:t>
-                                  </m:r>
-                                </m:e>
-                                <m:sub>
-                                  <m:r>
-                                    <a:rPr lang="en-US" b="0" i="1" smtClean="0">
-                                      <a:latin typeface="Cambria Math" charset="0"/>
-                                    </a:rPr>
-                                    <m:t>𝑇</m:t>
-                                  </m:r>
-                                </m:sub>
-                              </m:sSub>
-                              <m:r>
-                                <a:rPr lang="en-US" b="0" i="1" smtClean="0">
-                                  <a:latin typeface="Cambria Math" charset="0"/>
-                                </a:rPr>
-                                <m:t>|</m:t>
-                              </m:r>
-                              <m:r>
-                                <a:rPr lang="en-US" b="0" i="1" smtClean="0">
-                                  <a:latin typeface="Cambria Math" charset="0"/>
-                                </a:rPr>
-                                <m:t>𝑧</m:t>
-                              </m:r>
-                            </m:e>
-                            <m:sub>
-                              <m:r>
-                                <a:rPr lang="en-US" b="0" i="1" smtClean="0">
-                                  <a:latin typeface="Cambria Math" charset="0"/>
-                                </a:rPr>
-                                <m:t>𝑇</m:t>
-                              </m:r>
-                            </m:sub>
-                          </m:sSub>
-                          <m:r>
-                            <a:rPr lang="en-US" b="0" i="1" smtClean="0">
-                              <a:latin typeface="Cambria Math" charset="0"/>
-                            </a:rPr>
-                            <m:t>)</m:t>
-                          </m:r>
-                        </m:oMath>
-                      </m:oMathPara>
-                    </a14:m>
-                    <a:endParaRPr lang="en-US" dirty="0"/>
-                  </a:p>
-                </p:txBody>
-              </p:sp>
-            </mc:Choice>
-            <mc:Fallback>
-              <p:sp>
-                <p:nvSpPr>
-                  <p:cNvPr id="103" name="Rectangle 102"/>
-                  <p:cNvSpPr>
-                    <a:spLocks noRot="1" noChangeAspect="1" noMove="1" noResize="1" noEditPoints="1" noAdjustHandles="1" noChangeArrowheads="1" noChangeShapeType="1" noTextEdit="1"/>
-                  </p:cNvSpPr>
-                  <p:nvPr/>
-                </p:nvSpPr>
-                <p:spPr>
-                  <a:xfrm>
-                    <a:off x="1950979" y="2439918"/>
-                    <a:ext cx="1160189" cy="369332"/>
-                  </a:xfrm>
-                  <a:prstGeom prst="rect">
-                    <a:avLst/>
-                  </a:prstGeom>
-                  <a:blipFill rotWithShape="0">
-                    <a:blip r:embed="rId9"/>
-                    <a:stretch>
-                      <a:fillRect b="-13333"/>
-                    </a:stretch>
-                  </a:blipFill>
-                </p:spPr>
-                <p:txBody>
-                  <a:bodyPr/>
-                  <a:lstStyle/>
-                  <a:p>
-                    <a:r>
-                      <a:rPr lang="en-US">
-                        <a:noFill/>
-                      </a:rPr>
-                      <a:t> </a:t>
-                    </a:r>
-                  </a:p>
-                </p:txBody>
-              </p:sp>
-            </mc:Fallback>
-          </mc:AlternateContent>
-          <mc:AlternateContent xmlns:mc="http://schemas.openxmlformats.org/markup-compatibility/2006">
-            <mc:Choice xmlns:a14="http://schemas.microsoft.com/office/drawing/2010/main" Requires="a14">
-              <p:sp>
-                <p:nvSpPr>
-                  <p:cNvPr id="104" name="Rectangle 103"/>
-                  <p:cNvSpPr/>
-                  <p:nvPr/>
-                </p:nvSpPr>
-                <p:spPr>
-                  <a:xfrm>
-                    <a:off x="2542476" y="1732166"/>
-                    <a:ext cx="559640" cy="369332"/>
-                  </a:xfrm>
-                  <a:prstGeom prst="rect">
-                    <a:avLst/>
-                  </a:prstGeom>
-                  <a:ln>
-                    <a:noFill/>
-                  </a:ln>
-                </p:spPr>
-                <p:txBody>
-                  <a:bodyPr wrap="none">
-                    <a:spAutoFit/>
-                  </a:bodyPr>
-                  <a:lstStyle/>
-                  <a:p>
-                    <a:pPr/>
-                    <a14:m>
-                      <m:oMathPara xmlns:m="http://schemas.openxmlformats.org/officeDocument/2006/math">
-                        <m:oMathParaPr>
-                          <m:jc m:val="centerGroup"/>
-                        </m:oMathParaPr>
-                        <m:oMath xmlns:m="http://schemas.openxmlformats.org/officeDocument/2006/math">
-                          <m:sSub>
-                            <m:sSubPr>
-                              <m:ctrlPr>
-                                <a:rPr lang="en-US" i="1" smtClean="0">
-                                  <a:latin typeface="Cambria Math" charset="0"/>
-                                </a:rPr>
-                              </m:ctrlPr>
-                            </m:sSubPr>
-                            <m:e>
-                              <m:r>
-                                <a:rPr lang="en-US" b="0" i="1" smtClean="0">
-                                  <a:latin typeface="Cambria Math" charset="0"/>
-                                </a:rPr>
-                                <m:t>𝑍</m:t>
-                              </m:r>
-                            </m:e>
-                            <m:sub>
-                              <m:r>
-                                <a:rPr lang="en-US" b="0" i="1" smtClean="0">
-                                  <a:latin typeface="Cambria Math" charset="0"/>
-                                </a:rPr>
-                                <m:t>𝑡</m:t>
-                              </m:r>
-                              <m:r>
-                                <a:rPr lang="en-US" b="0" i="1" smtClean="0">
-                                  <a:latin typeface="Cambria Math" charset="0"/>
-                                </a:rPr>
-                                <m:t>𝑇</m:t>
-                              </m:r>
-                            </m:sub>
-                          </m:sSub>
-                        </m:oMath>
-                      </m:oMathPara>
-                    </a14:m>
-                    <a:endParaRPr lang="en-US" dirty="0"/>
-                  </a:p>
-                </p:txBody>
-              </p:sp>
-            </mc:Choice>
-            <mc:Fallback>
-              <p:sp>
-                <p:nvSpPr>
-                  <p:cNvPr id="104" name="Rectangle 103"/>
-                  <p:cNvSpPr>
-                    <a:spLocks noRot="1" noChangeAspect="1" noMove="1" noResize="1" noEditPoints="1" noAdjustHandles="1" noChangeArrowheads="1" noChangeShapeType="1" noTextEdit="1"/>
-                  </p:cNvSpPr>
-                  <p:nvPr/>
-                </p:nvSpPr>
-                <p:spPr>
-                  <a:xfrm>
-                    <a:off x="2542476" y="1732166"/>
-                    <a:ext cx="559640" cy="369332"/>
-                  </a:xfrm>
-                  <a:prstGeom prst="rect">
-                    <a:avLst/>
-                  </a:prstGeom>
-                  <a:blipFill rotWithShape="0">
-                    <a:blip r:embed="rId10"/>
-                    <a:stretch>
-                      <a:fillRect/>
-                    </a:stretch>
-                  </a:blipFill>
-                  <a:ln>
-                    <a:noFill/>
-                  </a:ln>
-                </p:spPr>
-                <p:txBody>
-                  <a:bodyPr/>
-                  <a:lstStyle/>
-                  <a:p>
-                    <a:r>
-                      <a:rPr lang="en-US">
-                        <a:noFill/>
-                      </a:rPr>
-                      <a:t> </a:t>
-                    </a:r>
-                  </a:p>
-                </p:txBody>
-              </p:sp>
-            </mc:Fallback>
-          </mc:AlternateContent>
         </p:grpSp>
         <p:cxnSp>
           <p:nvCxnSpPr>
-            <p:cNvPr id="106" name="Straight Connector 105"/>
-            <p:cNvCxnSpPr/>
+            <p:cNvPr id="9" name="Elbow Connector 8"/>
+            <p:cNvCxnSpPr>
+              <a:stCxn id="85" idx="3"/>
+              <a:endCxn id="91" idx="0"/>
+            </p:cNvCxnSpPr>
             <p:nvPr/>
           </p:nvCxnSpPr>
           <p:spPr>
             <a:xfrm>
-              <a:off x="6934147" y="1690350"/>
-              <a:ext cx="633350" cy="0"/>
+              <a:off x="7999545" y="1696495"/>
+              <a:ext cx="813370" cy="720080"/>
             </a:xfrm>
-            <a:prstGeom prst="line">
+            <a:prstGeom prst="bentConnector2">
               <a:avLst/>
             </a:prstGeom>
             <a:ln w="28575">
@@ -5206,238 +5446,7 @@
             </a:fontRef>
           </p:style>
         </p:cxnSp>
-        <p:cxnSp>
-          <p:nvCxnSpPr>
-            <p:cNvPr id="107" name="Straight Connector 106"/>
-            <p:cNvCxnSpPr/>
-            <p:nvPr/>
-          </p:nvCxnSpPr>
-          <p:spPr>
-            <a:xfrm>
-              <a:off x="6240016" y="1696494"/>
-              <a:ext cx="633350" cy="0"/>
-            </a:xfrm>
-            <a:prstGeom prst="line">
-              <a:avLst/>
-            </a:prstGeom>
-            <a:ln w="28575">
-              <a:solidFill>
-                <a:schemeClr val="tx1"/>
-              </a:solidFill>
-              <a:prstDash val="dash"/>
-            </a:ln>
-          </p:spPr>
-          <p:style>
-            <a:lnRef idx="1">
-              <a:schemeClr val="accent1"/>
-            </a:lnRef>
-            <a:fillRef idx="0">
-              <a:schemeClr val="accent1"/>
-            </a:fillRef>
-            <a:effectRef idx="0">
-              <a:schemeClr val="accent1"/>
-            </a:effectRef>
-            <a:fontRef idx="minor">
-              <a:schemeClr val="tx1"/>
-            </a:fontRef>
-          </p:style>
-        </p:cxnSp>
-        <mc:AlternateContent xmlns:mc="http://schemas.openxmlformats.org/markup-compatibility/2006">
-          <mc:Choice xmlns:a14="http://schemas.microsoft.com/office/drawing/2010/main" Requires="a14">
-            <p:sp>
-              <p:nvSpPr>
-                <p:cNvPr id="108" name="Rectangle 107"/>
-                <p:cNvSpPr/>
-                <p:nvPr/>
-              </p:nvSpPr>
-              <p:spPr>
-                <a:xfrm>
-                  <a:off x="6975796" y="1059475"/>
-                  <a:ext cx="1321516" cy="369332"/>
-                </a:xfrm>
-                <a:prstGeom prst="rect">
-                  <a:avLst/>
-                </a:prstGeom>
-              </p:spPr>
-              <p:txBody>
-                <a:bodyPr wrap="none">
-                  <a:spAutoFit/>
-                </a:bodyPr>
-                <a:lstStyle/>
-                <a:p>
-                  <a:pPr/>
-                  <a14:m>
-                    <m:oMathPara xmlns:m="http://schemas.openxmlformats.org/officeDocument/2006/math">
-                      <m:oMathParaPr>
-                        <m:jc m:val="centerGroup"/>
-                      </m:oMathParaPr>
-                      <m:oMath xmlns:m="http://schemas.openxmlformats.org/officeDocument/2006/math">
-                        <m:r>
-                          <a:rPr lang="en-US" b="0" i="1" smtClean="0">
-                            <a:latin typeface="Cambria Math" charset="0"/>
-                          </a:rPr>
-                          <m:t>𝑝</m:t>
-                        </m:r>
-                        <m:r>
-                          <a:rPr lang="en-US" b="0" i="1" smtClean="0">
-                            <a:latin typeface="Cambria Math" charset="0"/>
-                          </a:rPr>
-                          <m:t>(</m:t>
-                        </m:r>
-                        <m:sSub>
-                          <m:sSubPr>
-                            <m:ctrlPr>
-                              <a:rPr lang="en-US" b="0" i="1" smtClean="0">
-                                <a:latin typeface="Cambria Math" charset="0"/>
-                              </a:rPr>
-                            </m:ctrlPr>
-                          </m:sSubPr>
-                          <m:e>
-                            <m:r>
-                              <a:rPr lang="en-US" b="0" i="1" smtClean="0">
-                                <a:latin typeface="Cambria Math" charset="0"/>
-                              </a:rPr>
-                              <m:t>𝑧</m:t>
-                            </m:r>
-                          </m:e>
-                          <m:sub>
-                            <m:r>
-                              <a:rPr lang="en-US" b="0" i="1" smtClean="0">
-                                <a:latin typeface="Cambria Math" charset="0"/>
-                              </a:rPr>
-                              <m:t>𝑇</m:t>
-                            </m:r>
-                          </m:sub>
-                        </m:sSub>
-                        <m:r>
-                          <a:rPr lang="en-US" b="0" i="1" smtClean="0">
-                            <a:latin typeface="Cambria Math" charset="0"/>
-                          </a:rPr>
-                          <m:t>|</m:t>
-                        </m:r>
-                        <m:sSub>
-                          <m:sSubPr>
-                            <m:ctrlPr>
-                              <a:rPr lang="en-US" b="0" i="1" smtClean="0">
-                                <a:latin typeface="Cambria Math" charset="0"/>
-                              </a:rPr>
-                            </m:ctrlPr>
-                          </m:sSubPr>
-                          <m:e>
-                            <m:r>
-                              <a:rPr lang="en-US" b="0" i="1" smtClean="0">
-                                <a:latin typeface="Cambria Math" charset="0"/>
-                              </a:rPr>
-                              <m:t>𝑧</m:t>
-                            </m:r>
-                          </m:e>
-                          <m:sub>
-                            <m:r>
-                              <a:rPr lang="en-US" b="0" i="1" smtClean="0">
-                                <a:latin typeface="Cambria Math" charset="0"/>
-                              </a:rPr>
-                              <m:t>𝑇</m:t>
-                            </m:r>
-                            <m:r>
-                              <a:rPr lang="en-US" b="0" i="1" smtClean="0">
-                                <a:latin typeface="Cambria Math" charset="0"/>
-                              </a:rPr>
-                              <m:t>−1</m:t>
-                            </m:r>
-                          </m:sub>
-                        </m:sSub>
-                        <m:r>
-                          <a:rPr lang="en-US" b="0" i="1" smtClean="0">
-                            <a:latin typeface="Cambria Math" charset="0"/>
-                          </a:rPr>
-                          <m:t>)</m:t>
-                        </m:r>
-                      </m:oMath>
-                    </m:oMathPara>
-                  </a14:m>
-                  <a:endParaRPr lang="en-US" dirty="0"/>
-                </a:p>
-              </p:txBody>
-            </p:sp>
-          </mc:Choice>
-          <mc:Fallback>
-            <p:sp>
-              <p:nvSpPr>
-                <p:cNvPr id="108" name="Rectangle 107"/>
-                <p:cNvSpPr>
-                  <a:spLocks noRot="1" noChangeAspect="1" noMove="1" noResize="1" noEditPoints="1" noAdjustHandles="1" noChangeArrowheads="1" noChangeShapeType="1" noTextEdit="1"/>
-                </p:cNvSpPr>
-                <p:nvPr/>
-              </p:nvSpPr>
-              <p:spPr>
-                <a:xfrm>
-                  <a:off x="6975796" y="1059475"/>
-                  <a:ext cx="1321516" cy="369332"/>
-                </a:xfrm>
-                <a:prstGeom prst="rect">
-                  <a:avLst/>
-                </a:prstGeom>
-                <a:blipFill rotWithShape="0">
-                  <a:blip r:embed="rId11"/>
-                  <a:stretch>
-                    <a:fillRect b="-13333"/>
-                  </a:stretch>
-                </a:blipFill>
-              </p:spPr>
-              <p:txBody>
-                <a:bodyPr/>
-                <a:lstStyle/>
-                <a:p>
-                  <a:r>
-                    <a:rPr lang="en-US">
-                      <a:noFill/>
-                    </a:rPr>
-                    <a:t> </a:t>
-                  </a:r>
-                </a:p>
-              </p:txBody>
-            </p:sp>
-          </mc:Fallback>
-        </mc:AlternateContent>
       </p:grpSp>
-      <p:cxnSp>
-        <p:nvCxnSpPr>
-          <p:cNvPr id="9" name="Elbow Connector 8"/>
-          <p:cNvCxnSpPr>
-            <a:stCxn id="85" idx="3"/>
-            <a:endCxn id="91" idx="0"/>
-          </p:cNvCxnSpPr>
-          <p:nvPr/>
-        </p:nvCxnSpPr>
-        <p:spPr>
-          <a:xfrm>
-            <a:off x="7999545" y="1696495"/>
-            <a:ext cx="813370" cy="720080"/>
-          </a:xfrm>
-          <a:prstGeom prst="bentConnector2">
-            <a:avLst/>
-          </a:prstGeom>
-          <a:ln w="28575">
-            <a:solidFill>
-              <a:schemeClr val="tx1"/>
-            </a:solidFill>
-          </a:ln>
-        </p:spPr>
-        <p:style>
-          <a:lnRef idx="1">
-            <a:schemeClr val="accent1"/>
-          </a:lnRef>
-          <a:fillRef idx="0">
-            <a:schemeClr val="accent1"/>
-          </a:fillRef>
-          <a:effectRef idx="0">
-            <a:schemeClr val="accent1"/>
-          </a:effectRef>
-          <a:fontRef idx="minor">
-            <a:schemeClr val="tx1"/>
-          </a:fontRef>
-        </p:style>
-      </p:cxnSp>
     </p:spTree>
     <p:extLst>
       <p:ext uri="{BB962C8B-B14F-4D97-AF65-F5344CB8AC3E}">

--- a/lessons/13_dynamic_latent_variable_models/figures/ffg-state-space.pptx
+++ b/lessons/13_dynamic_latent_variable_models/figures/ffg-state-space.pptx
@@ -4298,8 +4298,8 @@
                 </a:fontRef>
               </p:style>
             </p:cxnSp>
-            <mc:AlternateContent xmlns:mc="http://schemas.openxmlformats.org/markup-compatibility/2006" xmlns:a14="http://schemas.microsoft.com/office/drawing/2010/main">
-              <mc:Choice Requires="a14">
+            <mc:AlternateContent xmlns:mc="http://schemas.openxmlformats.org/markup-compatibility/2006">
+              <mc:Choice xmlns:a14="http://schemas.microsoft.com/office/drawing/2010/main" Requires="a14">
                 <p:sp>
                   <p:nvSpPr>
                     <p:cNvPr id="72" name="Rectangle 71"/>
@@ -4309,7 +4309,7 @@
                   <p:spPr>
                     <a:xfrm>
                       <a:off x="2737415" y="3003610"/>
-                      <a:ext cx="478528" cy="369332"/>
+                      <a:ext cx="483850" cy="369332"/>
                     </a:xfrm>
                     <a:prstGeom prst="rect">
                       <a:avLst/>
@@ -4352,7 +4352,7 @@
                                   <a:rPr lang="en-US" b="0" i="1" smtClean="0">
                                     <a:latin typeface="Cambria Math" charset="0"/>
                                   </a:rPr>
-                                  <m:t>1</m:t>
+                                  <m:t>2</m:t>
                                 </m:r>
                               </m:sub>
                             </m:sSub>
@@ -4364,7 +4364,7 @@
                   </p:txBody>
                 </p:sp>
               </mc:Choice>
-              <mc:Fallback xmlns="">
+              <mc:Fallback>
                 <p:sp>
                   <p:nvSpPr>
                     <p:cNvPr id="72" name="Rectangle 71"/>
@@ -4376,13 +4376,13 @@
                   <p:spPr>
                     <a:xfrm>
                       <a:off x="2737415" y="3003610"/>
-                      <a:ext cx="478528" cy="369332"/>
+                      <a:ext cx="483850" cy="369332"/>
                     </a:xfrm>
                     <a:prstGeom prst="rect">
                       <a:avLst/>
                     </a:prstGeom>
                     <a:blipFill rotWithShape="0">
-                      <a:blip r:embed="rId3"/>
+                      <a:blip r:embed="rId7"/>
                       <a:stretch>
                         <a:fillRect/>
                       </a:stretch>
@@ -4536,7 +4536,7 @@
                       <a:avLst/>
                     </a:prstGeom>
                     <a:blipFill rotWithShape="0">
-                      <a:blip r:embed="rId7"/>
+                      <a:blip r:embed="rId8"/>
                       <a:stretch>
                         <a:fillRect b="-13333"/>
                       </a:stretch>
@@ -4557,8 +4557,8 @@
                 </p:sp>
               </mc:Fallback>
             </mc:AlternateContent>
-            <mc:AlternateContent xmlns:mc="http://schemas.openxmlformats.org/markup-compatibility/2006" xmlns:a14="http://schemas.microsoft.com/office/drawing/2010/main">
-              <mc:Choice Requires="a14">
+            <mc:AlternateContent xmlns:mc="http://schemas.openxmlformats.org/markup-compatibility/2006">
+              <mc:Choice xmlns:a14="http://schemas.microsoft.com/office/drawing/2010/main" Requires="a14">
                 <p:sp>
                   <p:nvSpPr>
                     <p:cNvPr id="82" name="Rectangle 81"/>
@@ -4568,7 +4568,7 @@
                   <p:spPr>
                     <a:xfrm>
                       <a:off x="2521472" y="1741043"/>
-                      <a:ext cx="469103" cy="369332"/>
+                      <a:ext cx="474424" cy="369332"/>
                     </a:xfrm>
                     <a:prstGeom prst="rect">
                       <a:avLst/>
@@ -4611,7 +4611,7 @@
                                   <a:rPr lang="en-US" b="0" i="1" smtClean="0">
                                     <a:latin typeface="Cambria Math" charset="0"/>
                                   </a:rPr>
-                                  <m:t>1</m:t>
+                                  <m:t>2</m:t>
                                 </m:r>
                               </m:sub>
                             </m:sSub>
@@ -4623,7 +4623,7 @@
                   </p:txBody>
                 </p:sp>
               </mc:Choice>
-              <mc:Fallback xmlns="">
+              <mc:Fallback>
                 <p:sp>
                   <p:nvSpPr>
                     <p:cNvPr id="82" name="Rectangle 81"/>
@@ -4635,13 +4635,13 @@
                   <p:spPr>
                     <a:xfrm>
                       <a:off x="2521472" y="1741043"/>
-                      <a:ext cx="469103" cy="369332"/>
+                      <a:ext cx="474424" cy="369332"/>
                     </a:xfrm>
                     <a:prstGeom prst="rect">
                       <a:avLst/>
                     </a:prstGeom>
                     <a:blipFill rotWithShape="0">
-                      <a:blip r:embed="rId5"/>
+                      <a:blip r:embed="rId9"/>
                       <a:stretch>
                         <a:fillRect/>
                       </a:stretch>
@@ -4811,8 +4811,8 @@
                 </a:fontRef>
               </p:style>
             </p:cxnSp>
-            <mc:AlternateContent xmlns:mc="http://schemas.openxmlformats.org/markup-compatibility/2006">
-              <mc:Choice xmlns:a14="http://schemas.microsoft.com/office/drawing/2010/main" Requires="a14">
+            <mc:AlternateContent xmlns:mc="http://schemas.openxmlformats.org/markup-compatibility/2006" xmlns:a14="http://schemas.microsoft.com/office/drawing/2010/main">
+              <mc:Choice Requires="a14">
                 <p:sp>
                   <p:nvSpPr>
                     <p:cNvPr id="94" name="Rectangle 93"/>
@@ -4877,7 +4877,7 @@
                   </p:txBody>
                 </p:sp>
               </mc:Choice>
-              <mc:Fallback>
+              <mc:Fallback xmlns="">
                 <p:sp>
                   <p:nvSpPr>
                     <p:cNvPr id="94" name="Rectangle 93"/>
@@ -4895,7 +4895,7 @@
                       <a:avLst/>
                     </a:prstGeom>
                     <a:blipFill rotWithShape="0">
-                      <a:blip r:embed="rId8"/>
+                      <a:blip r:embed="rId10"/>
                       <a:stretch>
                         <a:fillRect/>
                       </a:stretch>
@@ -4919,8 +4919,8 @@
                 </p:sp>
               </mc:Fallback>
             </mc:AlternateContent>
-            <mc:AlternateContent xmlns:mc="http://schemas.openxmlformats.org/markup-compatibility/2006">
-              <mc:Choice xmlns:a14="http://schemas.microsoft.com/office/drawing/2010/main" Requires="a14">
+            <mc:AlternateContent xmlns:mc="http://schemas.openxmlformats.org/markup-compatibility/2006" xmlns:a14="http://schemas.microsoft.com/office/drawing/2010/main">
+              <mc:Choice Requires="a14">
                 <p:sp>
                   <p:nvSpPr>
                     <p:cNvPr id="103" name="Rectangle 102"/>
@@ -5031,7 +5031,7 @@
                   </p:txBody>
                 </p:sp>
               </mc:Choice>
-              <mc:Fallback>
+              <mc:Fallback xmlns="">
                 <p:sp>
                   <p:nvSpPr>
                     <p:cNvPr id="103" name="Rectangle 102"/>
@@ -5049,7 +5049,7 @@
                       <a:avLst/>
                     </a:prstGeom>
                     <a:blipFill rotWithShape="0">
-                      <a:blip r:embed="rId9"/>
+                      <a:blip r:embed="rId11"/>
                       <a:stretch>
                         <a:fillRect b="-13333"/>
                       </a:stretch>
@@ -5070,8 +5070,8 @@
                 </p:sp>
               </mc:Fallback>
             </mc:AlternateContent>
-            <mc:AlternateContent xmlns:mc="http://schemas.openxmlformats.org/markup-compatibility/2006">
-              <mc:Choice xmlns:a14="http://schemas.microsoft.com/office/drawing/2010/main" Requires="a14">
+            <mc:AlternateContent xmlns:mc="http://schemas.openxmlformats.org/markup-compatibility/2006" xmlns:a14="http://schemas.microsoft.com/office/drawing/2010/main">
+              <mc:Choice Requires="a14">
                 <p:sp>
                   <p:nvSpPr>
                     <p:cNvPr id="104" name="Rectangle 103"/>
@@ -5136,7 +5136,7 @@
                   </p:txBody>
                 </p:sp>
               </mc:Choice>
-              <mc:Fallback>
+              <mc:Fallback xmlns="">
                 <p:sp>
                   <p:nvSpPr>
                     <p:cNvPr id="104" name="Rectangle 103"/>
@@ -5154,7 +5154,7 @@
                       <a:avLst/>
                     </a:prstGeom>
                     <a:blipFill rotWithShape="0">
-                      <a:blip r:embed="rId10"/>
+                      <a:blip r:embed="rId12"/>
                       <a:stretch>
                         <a:fillRect/>
                       </a:stretch>
@@ -5250,8 +5250,8 @@
               </a:fontRef>
             </p:style>
           </p:cxnSp>
-          <mc:AlternateContent xmlns:mc="http://schemas.openxmlformats.org/markup-compatibility/2006">
-            <mc:Choice xmlns:a14="http://schemas.microsoft.com/office/drawing/2010/main" Requires="a14">
+          <mc:AlternateContent xmlns:mc="http://schemas.openxmlformats.org/markup-compatibility/2006" xmlns:a14="http://schemas.microsoft.com/office/drawing/2010/main">
+            <mc:Choice Requires="a14">
               <p:sp>
                 <p:nvSpPr>
                   <p:cNvPr id="108" name="Rectangle 107"/>
@@ -5368,7 +5368,7 @@
                 </p:txBody>
               </p:sp>
             </mc:Choice>
-            <mc:Fallback>
+            <mc:Fallback xmlns="">
               <p:sp>
                 <p:nvSpPr>
                   <p:cNvPr id="108" name="Rectangle 107"/>
@@ -5386,7 +5386,7 @@
                     <a:avLst/>
                   </a:prstGeom>
                   <a:blipFill rotWithShape="0">
-                    <a:blip r:embed="rId11"/>
+                    <a:blip r:embed="rId13"/>
                     <a:stretch>
                       <a:fillRect b="-13333"/>
                     </a:stretch>
